--- a/03_Monte_Carlo.pptx
+++ b/03_Monte_Carlo.pptx
@@ -6,20 +6,22 @@
   </p:sldMasterIdLst>
   <p:sldIdLst>
     <p:sldId id="256" r:id="rId2"/>
-    <p:sldId id="258" r:id="rId3"/>
-    <p:sldId id="261" r:id="rId4"/>
-    <p:sldId id="262" r:id="rId5"/>
-    <p:sldId id="259" r:id="rId6"/>
-    <p:sldId id="266" r:id="rId7"/>
-    <p:sldId id="267" r:id="rId8"/>
-    <p:sldId id="268" r:id="rId9"/>
-    <p:sldId id="263" r:id="rId10"/>
-    <p:sldId id="260" r:id="rId11"/>
-    <p:sldId id="269" r:id="rId12"/>
-    <p:sldId id="270" r:id="rId13"/>
-    <p:sldId id="272" r:id="rId14"/>
-    <p:sldId id="271" r:id="rId15"/>
-    <p:sldId id="273" r:id="rId16"/>
+    <p:sldId id="257" r:id="rId3"/>
+    <p:sldId id="292" r:id="rId4"/>
+    <p:sldId id="258" r:id="rId5"/>
+    <p:sldId id="261" r:id="rId6"/>
+    <p:sldId id="262" r:id="rId7"/>
+    <p:sldId id="259" r:id="rId8"/>
+    <p:sldId id="266" r:id="rId9"/>
+    <p:sldId id="267" r:id="rId10"/>
+    <p:sldId id="268" r:id="rId11"/>
+    <p:sldId id="263" r:id="rId12"/>
+    <p:sldId id="260" r:id="rId13"/>
+    <p:sldId id="269" r:id="rId14"/>
+    <p:sldId id="270" r:id="rId15"/>
+    <p:sldId id="272" r:id="rId16"/>
+    <p:sldId id="271" r:id="rId17"/>
+    <p:sldId id="273" r:id="rId18"/>
   </p:sldIdLst>
   <p:sldSz cx="12192000" cy="6858000"/>
   <p:notesSz cx="6858000" cy="9144000"/>
@@ -118,6 +120,11 @@
       </a:defRPr>
     </a:lvl9pPr>
   </p:defaultTextStyle>
+  <p:extLst>
+    <p:ext uri="{EFAFB233-063F-42B5-8137-9DF3F51BA10A}">
+      <p15:sldGuideLst xmlns:p15="http://schemas.microsoft.com/office/powerpoint/2012/main"/>
+    </p:ext>
+  </p:extLst>
 </p:presentation>
 </file>
 
@@ -1332,7 +1339,7 @@
           <a:p>
             <a:fld id="{F7F2FA2E-6D87-7241-8299-B50CD3EA2347}" type="datetimeFigureOut">
               <a:rPr lang="en-US" smtClean="0"/>
-              <a:t>8/29/18</a:t>
+              <a:t>8/31/18</a:t>
             </a:fld>
             <a:endParaRPr lang="en-US"/>
           </a:p>
@@ -1570,7 +1577,7 @@
           <a:p>
             <a:fld id="{F7F2FA2E-6D87-7241-8299-B50CD3EA2347}" type="datetimeFigureOut">
               <a:rPr lang="en-US" smtClean="0"/>
-              <a:t>8/29/18</a:t>
+              <a:t>8/31/18</a:t>
             </a:fld>
             <a:endParaRPr lang="en-US"/>
           </a:p>
@@ -1750,7 +1757,7 @@
           <a:p>
             <a:fld id="{F7F2FA2E-6D87-7241-8299-B50CD3EA2347}" type="datetimeFigureOut">
               <a:rPr lang="en-US" smtClean="0"/>
-              <a:t>8/29/18</a:t>
+              <a:t>8/31/18</a:t>
             </a:fld>
             <a:endParaRPr lang="en-US"/>
           </a:p>
@@ -1920,7 +1927,7 @@
           <a:p>
             <a:fld id="{F7F2FA2E-6D87-7241-8299-B50CD3EA2347}" type="datetimeFigureOut">
               <a:rPr lang="en-US" smtClean="0"/>
-              <a:t>8/29/18</a:t>
+              <a:t>8/31/18</a:t>
             </a:fld>
             <a:endParaRPr lang="en-US"/>
           </a:p>
@@ -2196,7 +2203,7 @@
           <a:p>
             <a:fld id="{F7F2FA2E-6D87-7241-8299-B50CD3EA2347}" type="datetimeFigureOut">
               <a:rPr lang="en-US" smtClean="0"/>
-              <a:t>8/29/18</a:t>
+              <a:t>8/31/18</a:t>
             </a:fld>
             <a:endParaRPr lang="en-US"/>
           </a:p>
@@ -3397,7 +3404,7 @@
           <a:p>
             <a:fld id="{F7F2FA2E-6D87-7241-8299-B50CD3EA2347}" type="datetimeFigureOut">
               <a:rPr lang="en-US" smtClean="0"/>
-              <a:t>8/29/18</a:t>
+              <a:t>8/31/18</a:t>
             </a:fld>
             <a:endParaRPr lang="en-US"/>
           </a:p>
@@ -3787,7 +3794,7 @@
           <a:p>
             <a:fld id="{F7F2FA2E-6D87-7241-8299-B50CD3EA2347}" type="datetimeFigureOut">
               <a:rPr lang="en-US" smtClean="0"/>
-              <a:t>8/29/18</a:t>
+              <a:t>8/31/18</a:t>
             </a:fld>
             <a:endParaRPr lang="en-US"/>
           </a:p>
@@ -3910,7 +3917,7 @@
           <a:p>
             <a:fld id="{F7F2FA2E-6D87-7241-8299-B50CD3EA2347}" type="datetimeFigureOut">
               <a:rPr lang="en-US" smtClean="0"/>
-              <a:t>8/29/18</a:t>
+              <a:t>8/31/18</a:t>
             </a:fld>
             <a:endParaRPr lang="en-US"/>
           </a:p>
@@ -4005,7 +4012,7 @@
           <a:p>
             <a:fld id="{F7F2FA2E-6D87-7241-8299-B50CD3EA2347}" type="datetimeFigureOut">
               <a:rPr lang="en-US" smtClean="0"/>
-              <a:t>8/29/18</a:t>
+              <a:t>8/31/18</a:t>
             </a:fld>
             <a:endParaRPr lang="en-US"/>
           </a:p>
@@ -4768,7 +4775,7 @@
           <a:p>
             <a:fld id="{F7F2FA2E-6D87-7241-8299-B50CD3EA2347}" type="datetimeFigureOut">
               <a:rPr lang="en-US" smtClean="0"/>
-              <a:t>8/29/18</a:t>
+              <a:t>8/31/18</a:t>
             </a:fld>
             <a:endParaRPr lang="en-US"/>
           </a:p>
@@ -5608,7 +5615,7 @@
           <a:p>
             <a:fld id="{F7F2FA2E-6D87-7241-8299-B50CD3EA2347}" type="datetimeFigureOut">
               <a:rPr lang="en-US" smtClean="0"/>
-              <a:t>8/29/18</a:t>
+              <a:t>8/31/18</a:t>
             </a:fld>
             <a:endParaRPr lang="en-US"/>
           </a:p>
@@ -5835,7 +5842,7 @@
           <a:p>
             <a:fld id="{F7F2FA2E-6D87-7241-8299-B50CD3EA2347}" type="datetimeFigureOut">
               <a:rPr lang="en-US" smtClean="0"/>
-              <a:t>8/29/18</a:t>
+              <a:t>8/31/18</a:t>
             </a:fld>
             <a:endParaRPr lang="en-US"/>
           </a:p>
@@ -6884,9 +6891,10 @@
           <a:lstStyle/>
           <a:p>
             <a:r>
-              <a:rPr lang="en-US" dirty="0"/>
-              <a:t>Simulations</a:t>
-            </a:r>
+              <a:rPr lang="en-US"/>
+              <a:t>Monte Carlo Simulations</a:t>
+            </a:r>
+            <a:endParaRPr lang="en-US" dirty="0"/>
           </a:p>
         </p:txBody>
       </p:sp>
@@ -6925,6 +6933,297 @@
           <p:cNvPr id="2" name="Title 1">
             <a:extLst>
               <a:ext uri="{FF2B5EF4-FFF2-40B4-BE49-F238E27FC236}">
+                <a16:creationId xmlns:a16="http://schemas.microsoft.com/office/drawing/2014/main" id="{2D8E5C6F-850D-144B-8AF5-78B2DFE6D1EE}"/>
+              </a:ext>
+            </a:extLst>
+          </p:cNvPr>
+          <p:cNvSpPr>
+            <a:spLocks noGrp="1"/>
+          </p:cNvSpPr>
+          <p:nvPr>
+            <p:ph type="title"/>
+          </p:nvPr>
+        </p:nvSpPr>
+        <p:spPr/>
+        <p:txBody>
+          <a:bodyPr/>
+          <a:lstStyle/>
+          <a:p>
+            <a:pPr algn="ctr"/>
+            <a:r>
+              <a:rPr lang="en-US" dirty="0"/>
+              <a:t>The gambler’s fallacy</a:t>
+            </a:r>
+          </a:p>
+        </p:txBody>
+      </p:sp>
+      <p:sp>
+        <p:nvSpPr>
+          <p:cNvPr id="3" name="Content Placeholder 2">
+            <a:extLst>
+              <a:ext uri="{FF2B5EF4-FFF2-40B4-BE49-F238E27FC236}">
+                <a16:creationId xmlns:a16="http://schemas.microsoft.com/office/drawing/2014/main" id="{5BBEDC47-2DA8-2E43-A660-47EFA109F4DD}"/>
+              </a:ext>
+            </a:extLst>
+          </p:cNvPr>
+          <p:cNvSpPr>
+            <a:spLocks noGrp="1"/>
+          </p:cNvSpPr>
+          <p:nvPr>
+            <p:ph idx="1"/>
+          </p:nvPr>
+        </p:nvSpPr>
+        <p:spPr>
+          <a:xfrm>
+            <a:off x="1149927" y="1759527"/>
+            <a:ext cx="10280073" cy="4502728"/>
+          </a:xfrm>
+        </p:spPr>
+        <p:txBody>
+          <a:bodyPr/>
+          <a:lstStyle/>
+          <a:p>
+            <a:pPr lvl="1" indent="-457200">
+              <a:buFont typeface="+mj-lt"/>
+              <a:buAutoNum type="arabicPeriod" startAt="4"/>
+            </a:pPr>
+            <a:r>
+              <a:rPr lang="en-US" sz="2400" dirty="0"/>
+              <a:t>After all flips are completed, prints the percentage of heads and the percentage of tails</a:t>
+            </a:r>
+          </a:p>
+          <a:p>
+            <a:endParaRPr lang="en-US" dirty="0"/>
+          </a:p>
+          <a:p>
+            <a:pPr marL="0" indent="0">
+              <a:buNone/>
+            </a:pPr>
+            <a:r>
+              <a:rPr lang="en-US" dirty="0">
+                <a:latin typeface="Courier New" panose="02070309020205020404" pitchFamily="49" charset="0"/>
+                <a:cs typeface="Courier New" panose="02070309020205020404" pitchFamily="49" charset="0"/>
+              </a:rPr>
+              <a:t>print("Flipped", flips, "times")</a:t>
+            </a:r>
+          </a:p>
+          <a:p>
+            <a:pPr marL="0" indent="0">
+              <a:buNone/>
+            </a:pPr>
+            <a:r>
+              <a:rPr lang="en-US" dirty="0">
+                <a:latin typeface="Courier New" panose="02070309020205020404" pitchFamily="49" charset="0"/>
+                <a:cs typeface="Courier New" panose="02070309020205020404" pitchFamily="49" charset="0"/>
+              </a:rPr>
+              <a:t>print("Got ", (float(heads)/float(flips)), "% heads")</a:t>
+            </a:r>
+          </a:p>
+          <a:p>
+            <a:pPr marL="0" indent="0">
+              <a:buNone/>
+            </a:pPr>
+            <a:r>
+              <a:rPr lang="en-US" dirty="0">
+                <a:latin typeface="Courier New" panose="02070309020205020404" pitchFamily="49" charset="0"/>
+                <a:cs typeface="Courier New" panose="02070309020205020404" pitchFamily="49" charset="0"/>
+              </a:rPr>
+              <a:t>print("Got ", (float(tails)/float(flips)), "% tails") </a:t>
+            </a:r>
+          </a:p>
+          <a:p>
+            <a:pPr marL="0" indent="0">
+              <a:buNone/>
+            </a:pPr>
+            <a:endParaRPr lang="en-US" dirty="0">
+              <a:latin typeface="Courier New" panose="02070309020205020404" pitchFamily="49" charset="0"/>
+              <a:cs typeface="Courier New" panose="02070309020205020404" pitchFamily="49" charset="0"/>
+            </a:endParaRPr>
+          </a:p>
+          <a:p>
+            <a:pPr marL="0" indent="0">
+              <a:buNone/>
+            </a:pPr>
+            <a:r>
+              <a:rPr lang="en-US" dirty="0">
+                <a:solidFill>
+                  <a:srgbClr val="FF0000"/>
+                </a:solidFill>
+                <a:latin typeface="Courier New" panose="02070309020205020404" pitchFamily="49" charset="0"/>
+                <a:cs typeface="Courier New" panose="02070309020205020404" pitchFamily="49" charset="0"/>
+              </a:rPr>
+              <a:t># Note the floating point division</a:t>
+            </a:r>
+          </a:p>
+        </p:txBody>
+      </p:sp>
+    </p:spTree>
+    <p:extLst>
+      <p:ext uri="{BB962C8B-B14F-4D97-AF65-F5344CB8AC3E}">
+        <p14:creationId xmlns:p14="http://schemas.microsoft.com/office/powerpoint/2010/main" val="2013300220"/>
+      </p:ext>
+    </p:extLst>
+  </p:cSld>
+  <p:clrMapOvr>
+    <a:masterClrMapping/>
+  </p:clrMapOvr>
+</p:sld>
+</file>
+
+<file path=ppt/slides/slide11.xml><?xml version="1.0" encoding="utf-8"?>
+<p:sld xmlns:a="http://schemas.openxmlformats.org/drawingml/2006/main" xmlns:r="http://schemas.openxmlformats.org/officeDocument/2006/relationships" xmlns:p="http://schemas.openxmlformats.org/presentationml/2006/main">
+  <p:cSld>
+    <p:spTree>
+      <p:nvGrpSpPr>
+        <p:cNvPr id="1" name=""/>
+        <p:cNvGrpSpPr/>
+        <p:nvPr/>
+      </p:nvGrpSpPr>
+      <p:grpSpPr>
+        <a:xfrm>
+          <a:off x="0" y="0"/>
+          <a:ext cx="0" cy="0"/>
+          <a:chOff x="0" y="0"/>
+          <a:chExt cx="0" cy="0"/>
+        </a:xfrm>
+      </p:grpSpPr>
+      <p:sp>
+        <p:nvSpPr>
+          <p:cNvPr id="2" name="Title 1">
+            <a:extLst>
+              <a:ext uri="{FF2B5EF4-FFF2-40B4-BE49-F238E27FC236}">
+                <a16:creationId xmlns:a16="http://schemas.microsoft.com/office/drawing/2014/main" id="{6D0FAD8B-490F-0840-A5E3-C4BCE69A81F8}"/>
+              </a:ext>
+            </a:extLst>
+          </p:cNvPr>
+          <p:cNvSpPr>
+            <a:spLocks noGrp="1"/>
+          </p:cNvSpPr>
+          <p:nvPr>
+            <p:ph type="title"/>
+          </p:nvPr>
+        </p:nvSpPr>
+        <p:spPr>
+          <a:xfrm>
+            <a:off x="2250185" y="450342"/>
+            <a:ext cx="7729728" cy="1188720"/>
+          </a:xfrm>
+        </p:spPr>
+        <p:txBody>
+          <a:bodyPr/>
+          <a:lstStyle/>
+          <a:p>
+            <a:r>
+              <a:rPr lang="en-US" dirty="0"/>
+              <a:t>Pseudo-random numbers</a:t>
+            </a:r>
+          </a:p>
+        </p:txBody>
+      </p:sp>
+      <p:sp>
+        <p:nvSpPr>
+          <p:cNvPr id="3" name="Content Placeholder 2">
+            <a:extLst>
+              <a:ext uri="{FF2B5EF4-FFF2-40B4-BE49-F238E27FC236}">
+                <a16:creationId xmlns:a16="http://schemas.microsoft.com/office/drawing/2014/main" id="{02A3765C-026D-4A44-9BF9-D40A91259E21}"/>
+              </a:ext>
+            </a:extLst>
+          </p:cNvPr>
+          <p:cNvSpPr>
+            <a:spLocks noGrp="1"/>
+          </p:cNvSpPr>
+          <p:nvPr>
+            <p:ph idx="1"/>
+          </p:nvPr>
+        </p:nvSpPr>
+        <p:spPr>
+          <a:xfrm>
+            <a:off x="1066800" y="1639062"/>
+            <a:ext cx="10626436" cy="4890326"/>
+          </a:xfrm>
+        </p:spPr>
+        <p:txBody>
+          <a:bodyPr>
+            <a:noAutofit/>
+          </a:bodyPr>
+          <a:lstStyle/>
+          <a:p>
+            <a:r>
+              <a:rPr lang="en-US" sz="2400" dirty="0"/>
+              <a:t>What about reproducing our results?</a:t>
+            </a:r>
+          </a:p>
+          <a:p>
+            <a:endParaRPr lang="en-US" sz="2400" dirty="0"/>
+          </a:p>
+          <a:p>
+            <a:r>
+              <a:rPr lang="en-US" sz="2400" dirty="0"/>
+              <a:t>If our simulation depends on random numbers, and Python produces different random numbers each time we run the program, then won’t we get different results to our simulation each time we run it?</a:t>
+            </a:r>
+          </a:p>
+          <a:p>
+            <a:pPr marL="0" indent="0">
+              <a:buNone/>
+            </a:pPr>
+            <a:endParaRPr lang="en-US" sz="2400" dirty="0"/>
+          </a:p>
+          <a:p>
+            <a:r>
+              <a:rPr lang="en-US" sz="2400" dirty="0"/>
+              <a:t>Yes. However, we can tell Python to reuse the same sequence of random numbers so our exact simulation is repeatable</a:t>
+            </a:r>
+          </a:p>
+          <a:p>
+            <a:endParaRPr lang="en-US" sz="2400" dirty="0"/>
+          </a:p>
+          <a:p>
+            <a:r>
+              <a:rPr lang="en-US" sz="2400" dirty="0"/>
+              <a:t>This is done with a </a:t>
+            </a:r>
+            <a:r>
+              <a:rPr lang="en-US" sz="2400" b="1" i="1" dirty="0"/>
+              <a:t>seed value</a:t>
+            </a:r>
+          </a:p>
+        </p:txBody>
+      </p:sp>
+    </p:spTree>
+    <p:extLst>
+      <p:ext uri="{BB962C8B-B14F-4D97-AF65-F5344CB8AC3E}">
+        <p14:creationId xmlns:p14="http://schemas.microsoft.com/office/powerpoint/2010/main" val="3265832299"/>
+      </p:ext>
+    </p:extLst>
+  </p:cSld>
+  <p:clrMapOvr>
+    <a:masterClrMapping/>
+  </p:clrMapOvr>
+</p:sld>
+</file>
+
+<file path=ppt/slides/slide12.xml><?xml version="1.0" encoding="utf-8"?>
+<p:sld xmlns:a="http://schemas.openxmlformats.org/drawingml/2006/main" xmlns:r="http://schemas.openxmlformats.org/officeDocument/2006/relationships" xmlns:p="http://schemas.openxmlformats.org/presentationml/2006/main">
+  <p:cSld>
+    <p:spTree>
+      <p:nvGrpSpPr>
+        <p:cNvPr id="1" name=""/>
+        <p:cNvGrpSpPr/>
+        <p:nvPr/>
+      </p:nvGrpSpPr>
+      <p:grpSpPr>
+        <a:xfrm>
+          <a:off x="0" y="0"/>
+          <a:ext cx="0" cy="0"/>
+          <a:chOff x="0" y="0"/>
+          <a:chExt cx="0" cy="0"/>
+        </a:xfrm>
+      </p:grpSpPr>
+      <p:sp>
+        <p:nvSpPr>
+          <p:cNvPr id="2" name="Title 1">
+            <a:extLst>
+              <a:ext uri="{FF2B5EF4-FFF2-40B4-BE49-F238E27FC236}">
                 <a16:creationId xmlns:a16="http://schemas.microsoft.com/office/drawing/2014/main" id="{1FF47693-5599-0C43-94D6-DFE622B59010}"/>
               </a:ext>
             </a:extLst>
@@ -7094,7 +7393,7 @@
 </p:sld>
 </file>
 
-<file path=ppt/slides/slide11.xml><?xml version="1.0" encoding="utf-8"?>
+<file path=ppt/slides/slide13.xml><?xml version="1.0" encoding="utf-8"?>
 <p:sld xmlns:a="http://schemas.openxmlformats.org/drawingml/2006/main" xmlns:r="http://schemas.openxmlformats.org/officeDocument/2006/relationships" xmlns:p="http://schemas.openxmlformats.org/presentationml/2006/main">
   <p:cSld>
     <p:spTree>
@@ -7298,7 +7597,7 @@
 </p:sld>
 </file>
 
-<file path=ppt/slides/slide12.xml><?xml version="1.0" encoding="utf-8"?>
+<file path=ppt/slides/slide14.xml><?xml version="1.0" encoding="utf-8"?>
 <p:sld xmlns:a="http://schemas.openxmlformats.org/drawingml/2006/main" xmlns:r="http://schemas.openxmlformats.org/officeDocument/2006/relationships" xmlns:p="http://schemas.openxmlformats.org/presentationml/2006/main">
   <p:cSld>
     <p:spTree>
@@ -7533,7 +7832,7 @@
 </p:sld>
 </file>
 
-<file path=ppt/slides/slide13.xml><?xml version="1.0" encoding="utf-8"?>
+<file path=ppt/slides/slide15.xml><?xml version="1.0" encoding="utf-8"?>
 <p:sld xmlns:a="http://schemas.openxmlformats.org/drawingml/2006/main" xmlns:r="http://schemas.openxmlformats.org/officeDocument/2006/relationships" xmlns:p="http://schemas.openxmlformats.org/presentationml/2006/main">
   <p:cSld>
     <p:spTree>
@@ -7725,7 +8024,7 @@
 </p:sld>
 </file>
 
-<file path=ppt/slides/slide14.xml><?xml version="1.0" encoding="utf-8"?>
+<file path=ppt/slides/slide16.xml><?xml version="1.0" encoding="utf-8"?>
 <p:sld xmlns:a="http://schemas.openxmlformats.org/drawingml/2006/main" xmlns:r="http://schemas.openxmlformats.org/officeDocument/2006/relationships" xmlns:p="http://schemas.openxmlformats.org/presentationml/2006/main">
   <p:cSld>
     <p:spTree>
@@ -7922,7 +8221,7 @@
 </p:sld>
 </file>
 
-<file path=ppt/slides/slide15.xml><?xml version="1.0" encoding="utf-8"?>
+<file path=ppt/slides/slide17.xml><?xml version="1.0" encoding="utf-8"?>
 <p:sld xmlns:a="http://schemas.openxmlformats.org/drawingml/2006/main" xmlns:r="http://schemas.openxmlformats.org/officeDocument/2006/relationships" xmlns:p="http://schemas.openxmlformats.org/presentationml/2006/main">
   <p:cSld>
     <p:spTree>
@@ -8123,7 +8422,7 @@
           <p:cNvPr id="2" name="Title 1">
             <a:extLst>
               <a:ext uri="{FF2B5EF4-FFF2-40B4-BE49-F238E27FC236}">
-                <a16:creationId xmlns:a16="http://schemas.microsoft.com/office/drawing/2014/main" id="{2C3297DE-C1B1-4749-87EB-0C0BC03F0A09}"/>
+                <a16:creationId xmlns:a16="http://schemas.microsoft.com/office/drawing/2014/main" id="{DAF8EFA8-1CB1-6946-8BEB-B33E5B813393}"/>
               </a:ext>
             </a:extLst>
           </p:cNvPr>
@@ -8134,19 +8433,14 @@
             <p:ph type="title"/>
           </p:nvPr>
         </p:nvSpPr>
-        <p:spPr>
-          <a:xfrm>
-            <a:off x="2243041" y="378040"/>
-            <a:ext cx="7729728" cy="1188720"/>
-          </a:xfrm>
-        </p:spPr>
+        <p:spPr/>
         <p:txBody>
           <a:bodyPr/>
           <a:lstStyle/>
           <a:p>
             <a:r>
               <a:rPr lang="en-US" dirty="0"/>
-              <a:t>Pseudo-random numbers</a:t>
+              <a:t>License and References</a:t>
             </a:r>
           </a:p>
         </p:txBody>
@@ -8156,7 +8450,7 @@
           <p:cNvPr id="3" name="Content Placeholder 2">
             <a:extLst>
               <a:ext uri="{FF2B5EF4-FFF2-40B4-BE49-F238E27FC236}">
-                <a16:creationId xmlns:a16="http://schemas.microsoft.com/office/drawing/2014/main" id="{F52A1A67-61E0-FD49-8EB0-DC7BF5BD7668}"/>
+                <a16:creationId xmlns:a16="http://schemas.microsoft.com/office/drawing/2014/main" id="{CC4693E6-CE62-CE42-A686-57EC39829B63}"/>
               </a:ext>
             </a:extLst>
           </p:cNvPr>
@@ -8169,94 +8463,136 @@
         </p:nvSpPr>
         <p:spPr>
           <a:xfrm>
-            <a:off x="1066800" y="1662546"/>
-            <a:ext cx="10668000" cy="4823547"/>
+            <a:off x="1114425" y="1557338"/>
+            <a:ext cx="10601325" cy="5041070"/>
           </a:xfrm>
         </p:spPr>
         <p:txBody>
           <a:bodyPr>
-            <a:noAutofit/>
+            <a:normAutofit/>
           </a:bodyPr>
           <a:lstStyle/>
           <a:p>
             <a:r>
-              <a:rPr lang="en-US" sz="2400" dirty="0"/>
-              <a:t>Many simulations require events to occur with a certain likelihood</a:t>
-            </a:r>
-          </a:p>
-          <a:p>
-            <a:endParaRPr lang="en-US" sz="2400" dirty="0"/>
-          </a:p>
-          <a:p>
-            <a:r>
-              <a:rPr lang="en-US" sz="2400" dirty="0"/>
-              <a:t>These sorts of simulations are called Monte Carlo algorithms</a:t>
-            </a:r>
-          </a:p>
-          <a:p>
-            <a:r>
-              <a:rPr lang="en-US" sz="2400" dirty="0"/>
-              <a:t>The name comes from a casino in Monaco - casinos have lots of ”games of chance”</a:t>
-            </a:r>
-          </a:p>
-          <a:p>
-            <a:endParaRPr lang="en-US" sz="2400" dirty="0"/>
-          </a:p>
-          <a:p>
-            <a:r>
-              <a:rPr lang="en-US" sz="2400" dirty="0"/>
-              <a:t>To work with ”chance” and probability we often use Python’s</a:t>
-            </a:r>
-          </a:p>
-          <a:p>
-            <a:pPr marL="457200" lvl="1" indent="0">
-              <a:buNone/>
-            </a:pPr>
-            <a:r>
-              <a:rPr lang="en-US" sz="2400" dirty="0" err="1"/>
-              <a:t>randrange</a:t>
-            </a:r>
-            <a:r>
-              <a:rPr lang="en-US" sz="2400" dirty="0"/>
-              <a:t>( lower limit, upper limit +1 )   </a:t>
-            </a:r>
-          </a:p>
-          <a:p>
-            <a:pPr marL="457200" lvl="1" indent="0">
-              <a:buNone/>
-            </a:pPr>
-            <a:r>
-              <a:rPr lang="en-US" sz="2400" dirty="0"/>
-              <a:t>		[generate a integer in the supplied range]</a:t>
-            </a:r>
-          </a:p>
-          <a:p>
-            <a:pPr marL="457200" lvl="1" indent="0">
-              <a:buNone/>
-            </a:pPr>
-            <a:r>
-              <a:rPr lang="en-US" sz="2400" dirty="0"/>
-              <a:t>random()   [generate a random decimal value between 0 and 1]</a:t>
-            </a:r>
-          </a:p>
-          <a:p>
-            <a:pPr marL="457200" lvl="1" indent="0">
-              <a:buNone/>
-            </a:pPr>
-            <a:endParaRPr lang="en-US" sz="2400" dirty="0"/>
-          </a:p>
-          <a:p>
-            <a:pPr marL="457200" lvl="1" indent="0">
-              <a:buNone/>
-            </a:pPr>
-            <a:endParaRPr lang="en-US" sz="2400" dirty="0"/>
+              <a:rPr lang="en-US" dirty="0"/>
+              <a:t>This work is licensed under a Creative Commons Attribution-</a:t>
+            </a:r>
+            <a:r>
+              <a:rPr lang="en-US" dirty="0" err="1"/>
+              <a:t>NonCommercial</a:t>
+            </a:r>
+            <a:r>
+              <a:rPr lang="en-US" dirty="0"/>
+              <a:t>-</a:t>
+            </a:r>
+            <a:r>
+              <a:rPr lang="en-US" dirty="0" err="1"/>
+              <a:t>ShareAlike</a:t>
+            </a:r>
+            <a:r>
+              <a:rPr lang="en-US" dirty="0"/>
+              <a:t> 4.0 International License</a:t>
+            </a:r>
+          </a:p>
+          <a:p>
+            <a:pPr lvl="1"/>
+            <a:r>
+              <a:rPr lang="en-US" dirty="0"/>
+              <a:t>Fore more details: </a:t>
+            </a:r>
+            <a:r>
+              <a:rPr lang="en-US" dirty="0">
+                <a:hlinkClick r:id="rId2"/>
+              </a:rPr>
+              <a:t>https://creativecommons.org/licenses/by-nc-sa/4.0/</a:t>
+            </a:r>
+            <a:r>
+              <a:rPr lang="en-US" dirty="0"/>
+              <a:t> </a:t>
+            </a:r>
+          </a:p>
+          <a:p>
+            <a:pPr lvl="1"/>
+            <a:endParaRPr lang="en-US" dirty="0"/>
+          </a:p>
+          <a:p>
+            <a:r>
+              <a:rPr lang="en-US" dirty="0"/>
+              <a:t>The author is indebted to the generosity of others who have provided example problems and datasets.  Where appropriate, external sources are cited both in the slides and in </a:t>
+            </a:r>
+            <a:r>
+              <a:rPr lang="en-US" dirty="0" err="1"/>
+              <a:t>Jupyter</a:t>
+            </a:r>
+            <a:r>
+              <a:rPr lang="en-US" dirty="0"/>
+              <a:t> Notebooks</a:t>
+            </a:r>
+          </a:p>
+          <a:p>
+            <a:endParaRPr lang="en-US" dirty="0"/>
+          </a:p>
+          <a:p>
+            <a:r>
+              <a:rPr lang="en-US" dirty="0"/>
+              <a:t>Images from around the Web are also used to help convey concepts</a:t>
+            </a:r>
+          </a:p>
+          <a:p>
+            <a:endParaRPr lang="en-US" dirty="0"/>
+          </a:p>
+          <a:p>
+            <a:r>
+              <a:rPr lang="en-US" dirty="0"/>
+              <a:t>Content that is reused in these slides is either open licensed or, as I understand it, meets the Fair Use Doctrine for educational reuse. </a:t>
+            </a:r>
+          </a:p>
+          <a:p>
+            <a:endParaRPr lang="en-US" dirty="0"/>
+          </a:p>
+          <a:p>
+            <a:endParaRPr lang="en-US" dirty="0"/>
+          </a:p>
+          <a:p>
+            <a:pPr lvl="1"/>
+            <a:endParaRPr lang="en-US" dirty="0"/>
           </a:p>
         </p:txBody>
       </p:sp>
+      <p:pic>
+        <p:nvPicPr>
+          <p:cNvPr id="6" name="Picture 5">
+            <a:extLst>
+              <a:ext uri="{FF2B5EF4-FFF2-40B4-BE49-F238E27FC236}">
+                <a16:creationId xmlns:a16="http://schemas.microsoft.com/office/drawing/2014/main" id="{703F2722-B462-A640-96D9-E60E65557C76}"/>
+              </a:ext>
+            </a:extLst>
+          </p:cNvPr>
+          <p:cNvPicPr>
+            <a:picLocks noChangeAspect="1"/>
+          </p:cNvPicPr>
+          <p:nvPr/>
+        </p:nvPicPr>
+        <p:blipFill>
+          <a:blip r:embed="rId3"/>
+          <a:stretch>
+            <a:fillRect/>
+          </a:stretch>
+        </p:blipFill>
+        <p:spPr>
+          <a:xfrm>
+            <a:off x="8638315" y="325176"/>
+            <a:ext cx="2527377" cy="803275"/>
+          </a:xfrm>
+          <a:prstGeom prst="rect">
+            <a:avLst/>
+          </a:prstGeom>
+        </p:spPr>
+      </p:pic>
     </p:spTree>
     <p:extLst>
       <p:ext uri="{BB962C8B-B14F-4D97-AF65-F5344CB8AC3E}">
-        <p14:creationId xmlns:p14="http://schemas.microsoft.com/office/powerpoint/2010/main" val="2444270864"/>
+        <p14:creationId xmlns:p14="http://schemas.microsoft.com/office/powerpoint/2010/main" val="2381085408"/>
       </p:ext>
     </p:extLst>
   </p:cSld>
@@ -8288,7 +8624,7 @@
           <p:cNvPr id="2" name="Title 1">
             <a:extLst>
               <a:ext uri="{FF2B5EF4-FFF2-40B4-BE49-F238E27FC236}">
-                <a16:creationId xmlns:a16="http://schemas.microsoft.com/office/drawing/2014/main" id="{6D0FAD8B-490F-0840-A5E3-C4BCE69A81F8}"/>
+                <a16:creationId xmlns:a16="http://schemas.microsoft.com/office/drawing/2014/main" id="{DAF8EFA8-1CB1-6946-8BEB-B33E5B813393}"/>
               </a:ext>
             </a:extLst>
           </p:cNvPr>
@@ -8299,19 +8635,14 @@
             <p:ph type="title"/>
           </p:nvPr>
         </p:nvSpPr>
-        <p:spPr>
-          <a:xfrm>
-            <a:off x="2236331" y="444283"/>
-            <a:ext cx="7729728" cy="1273682"/>
-          </a:xfrm>
-        </p:spPr>
+        <p:spPr/>
         <p:txBody>
           <a:bodyPr/>
           <a:lstStyle/>
           <a:p>
             <a:r>
               <a:rPr lang="en-US" dirty="0"/>
-              <a:t>Pseudo-random numbers</a:t>
+              <a:t>License and References</a:t>
             </a:r>
           </a:p>
         </p:txBody>
@@ -8321,7 +8652,7 @@
           <p:cNvPr id="3" name="Content Placeholder 2">
             <a:extLst>
               <a:ext uri="{FF2B5EF4-FFF2-40B4-BE49-F238E27FC236}">
-                <a16:creationId xmlns:a16="http://schemas.microsoft.com/office/drawing/2014/main" id="{02A3765C-026D-4A44-9BF9-D40A91259E21}"/>
+                <a16:creationId xmlns:a16="http://schemas.microsoft.com/office/drawing/2014/main" id="{CC4693E6-CE62-CE42-A686-57EC39829B63}"/>
               </a:ext>
             </a:extLst>
           </p:cNvPr>
@@ -8334,63 +8665,99 @@
         </p:nvSpPr>
         <p:spPr>
           <a:xfrm>
-            <a:off x="997527" y="1439037"/>
-            <a:ext cx="10654146" cy="5157790"/>
+            <a:off x="1114425" y="1557338"/>
+            <a:ext cx="10601325" cy="5041070"/>
           </a:xfrm>
         </p:spPr>
         <p:txBody>
-          <a:bodyPr>
-            <a:noAutofit/>
-          </a:bodyPr>
+          <a:bodyPr/>
           <a:lstStyle/>
           <a:p>
-            <a:r>
-              <a:rPr lang="en-US" sz="2400" dirty="0"/>
-              <a:t>True random numbers are, well, random…</a:t>
-            </a:r>
-          </a:p>
-          <a:p>
-            <a:endParaRPr lang="en-US" sz="2400" dirty="0"/>
-          </a:p>
-          <a:p>
-            <a:r>
-              <a:rPr lang="en-US" sz="2400" dirty="0"/>
-              <a:t>Computers only work when we tell them exactly what we want them to do</a:t>
-            </a:r>
-          </a:p>
-          <a:p>
-            <a:endParaRPr lang="en-US" sz="2400" dirty="0"/>
-          </a:p>
-          <a:p>
-            <a:r>
-              <a:rPr lang="en-US" sz="2400" dirty="0"/>
-              <a:t>So, we have a conflict here</a:t>
-            </a:r>
-          </a:p>
-          <a:p>
-            <a:endParaRPr lang="en-US" sz="2400" dirty="0"/>
-          </a:p>
-          <a:p>
-            <a:r>
-              <a:rPr lang="en-US" sz="2400" dirty="0"/>
-              <a:t>How can we create truly random numbers when we have to tell the computer exactly how to generate random numbers?</a:t>
-            </a:r>
-          </a:p>
-          <a:p>
-            <a:endParaRPr lang="en-US" sz="2400" dirty="0"/>
-          </a:p>
-          <a:p>
-            <a:r>
-              <a:rPr lang="en-US" sz="2400" dirty="0"/>
-              <a:t>Answer = we can’t.  Computers generate pseudo-random numbers. They appear to be random, but there is an underlying pattern and algorithm</a:t>
-            </a:r>
+            <a:endParaRPr lang="en-US" dirty="0"/>
+          </a:p>
+          <a:p>
+            <a:r>
+              <a:rPr lang="en-US" dirty="0"/>
+              <a:t>My university offering of this course has an introductory Python course as a prerequisite </a:t>
+            </a:r>
+          </a:p>
+          <a:p>
+            <a:endParaRPr lang="en-US" dirty="0"/>
+          </a:p>
+          <a:p>
+            <a:r>
+              <a:rPr lang="en-US" dirty="0"/>
+              <a:t>That course uses</a:t>
+            </a:r>
+          </a:p>
+          <a:p>
+            <a:pPr lvl="1"/>
+            <a:r>
+              <a:rPr lang="en-US" dirty="0"/>
+              <a:t>Python Programming:  An Introduction to Computer Science 2010, 3rd Edition, John </a:t>
+            </a:r>
+            <a:r>
+              <a:rPr lang="en-US" dirty="0" err="1"/>
+              <a:t>Zelle</a:t>
+            </a:r>
+            <a:r>
+              <a:rPr lang="en-US" dirty="0"/>
+              <a:t>, Franklin, Beedle &amp; Associates Inc., ISBN 9781590282755 </a:t>
+            </a:r>
+          </a:p>
+          <a:p>
+            <a:pPr lvl="1"/>
+            <a:endParaRPr lang="en-US" dirty="0"/>
+          </a:p>
+          <a:p>
+            <a:r>
+              <a:rPr lang="en-US" dirty="0"/>
+              <a:t>At times, example problems from that text will be cited</a:t>
+            </a:r>
+          </a:p>
+          <a:p>
+            <a:endParaRPr lang="en-US" dirty="0"/>
+          </a:p>
+          <a:p>
+            <a:pPr lvl="1"/>
+            <a:endParaRPr lang="en-US" dirty="0"/>
           </a:p>
         </p:txBody>
       </p:sp>
+      <p:pic>
+        <p:nvPicPr>
+          <p:cNvPr id="6" name="Picture 5">
+            <a:extLst>
+              <a:ext uri="{FF2B5EF4-FFF2-40B4-BE49-F238E27FC236}">
+                <a16:creationId xmlns:a16="http://schemas.microsoft.com/office/drawing/2014/main" id="{703F2722-B462-A640-96D9-E60E65557C76}"/>
+              </a:ext>
+            </a:extLst>
+          </p:cNvPr>
+          <p:cNvPicPr>
+            <a:picLocks noChangeAspect="1"/>
+          </p:cNvPicPr>
+          <p:nvPr/>
+        </p:nvPicPr>
+        <p:blipFill>
+          <a:blip r:embed="rId2"/>
+          <a:stretch>
+            <a:fillRect/>
+          </a:stretch>
+        </p:blipFill>
+        <p:spPr>
+          <a:xfrm>
+            <a:off x="8638315" y="325176"/>
+            <a:ext cx="2527377" cy="803275"/>
+          </a:xfrm>
+          <a:prstGeom prst="rect">
+            <a:avLst/>
+          </a:prstGeom>
+        </p:spPr>
+      </p:pic>
     </p:spTree>
     <p:extLst>
       <p:ext uri="{BB962C8B-B14F-4D97-AF65-F5344CB8AC3E}">
-        <p14:creationId xmlns:p14="http://schemas.microsoft.com/office/powerpoint/2010/main" val="2279116319"/>
+        <p14:creationId xmlns:p14="http://schemas.microsoft.com/office/powerpoint/2010/main" val="1174046175"/>
       </p:ext>
     </p:extLst>
   </p:cSld>
@@ -8422,7 +8789,7 @@
           <p:cNvPr id="2" name="Title 1">
             <a:extLst>
               <a:ext uri="{FF2B5EF4-FFF2-40B4-BE49-F238E27FC236}">
-                <a16:creationId xmlns:a16="http://schemas.microsoft.com/office/drawing/2014/main" id="{6D0FAD8B-490F-0840-A5E3-C4BCE69A81F8}"/>
+                <a16:creationId xmlns:a16="http://schemas.microsoft.com/office/drawing/2014/main" id="{2C3297DE-C1B1-4749-87EB-0C0BC03F0A09}"/>
               </a:ext>
             </a:extLst>
           </p:cNvPr>
@@ -8435,7 +8802,7 @@
         </p:nvSpPr>
         <p:spPr>
           <a:xfrm>
-            <a:off x="2222476" y="446446"/>
+            <a:off x="2243041" y="378040"/>
             <a:ext cx="7729728" cy="1188720"/>
           </a:xfrm>
         </p:spPr>
@@ -8455,7 +8822,7 @@
           <p:cNvPr id="3" name="Content Placeholder 2">
             <a:extLst>
               <a:ext uri="{FF2B5EF4-FFF2-40B4-BE49-F238E27FC236}">
-                <a16:creationId xmlns:a16="http://schemas.microsoft.com/office/drawing/2014/main" id="{02A3765C-026D-4A44-9BF9-D40A91259E21}"/>
+                <a16:creationId xmlns:a16="http://schemas.microsoft.com/office/drawing/2014/main" id="{F52A1A67-61E0-FD49-8EB0-DC7BF5BD7668}"/>
               </a:ext>
             </a:extLst>
           </p:cNvPr>
@@ -8468,19 +8835,19 @@
         </p:nvSpPr>
         <p:spPr>
           <a:xfrm>
-            <a:off x="1066800" y="2043113"/>
-            <a:ext cx="10515600" cy="4600575"/>
+            <a:off x="1066800" y="1662546"/>
+            <a:ext cx="10668000" cy="4823547"/>
           </a:xfrm>
         </p:spPr>
         <p:txBody>
           <a:bodyPr>
-            <a:normAutofit/>
+            <a:noAutofit/>
           </a:bodyPr>
           <a:lstStyle/>
           <a:p>
             <a:r>
               <a:rPr lang="en-US" sz="2400" dirty="0"/>
-              <a:t>The default random number generator in Python is ok for all of the examples we’ll be working on</a:t>
+              <a:t>Many simulations require events to occur with a certain likelihood</a:t>
             </a:r>
           </a:p>
           <a:p>
@@ -8489,7 +8856,13 @@
           <a:p>
             <a:r>
               <a:rPr lang="en-US" sz="2400" dirty="0"/>
-              <a:t>But, if you continue with programming, it’ll be important to know the limitations of the random number generator and how it impacts your programs</a:t>
+              <a:t>These sorts of simulations are called Monte Carlo algorithms</a:t>
+            </a:r>
+          </a:p>
+          <a:p>
+            <a:r>
+              <a:rPr lang="en-US" sz="2400" dirty="0"/>
+              <a:t>The name comes from a casino in Monaco - casinos have lots of ”games of chance”</a:t>
             </a:r>
           </a:p>
           <a:p>
@@ -8498,15 +8871,58 @@
           <a:p>
             <a:r>
               <a:rPr lang="en-US" sz="2400" dirty="0"/>
-              <a:t>For example, Python’s default random number generator should never be used for cryptography and secret codes – it’s too easy to break</a:t>
-            </a:r>
+              <a:t>To work with ”chance” and probability we often use Python’s</a:t>
+            </a:r>
+          </a:p>
+          <a:p>
+            <a:pPr marL="457200" lvl="1" indent="0">
+              <a:buNone/>
+            </a:pPr>
+            <a:r>
+              <a:rPr lang="en-US" sz="2400" dirty="0" err="1"/>
+              <a:t>randrange</a:t>
+            </a:r>
+            <a:r>
+              <a:rPr lang="en-US" sz="2400" dirty="0"/>
+              <a:t>( lower limit, upper limit +1 )   </a:t>
+            </a:r>
+          </a:p>
+          <a:p>
+            <a:pPr marL="457200" lvl="1" indent="0">
+              <a:buNone/>
+            </a:pPr>
+            <a:r>
+              <a:rPr lang="en-US" sz="2400" dirty="0"/>
+              <a:t>		[generate a integer in the supplied range]</a:t>
+            </a:r>
+          </a:p>
+          <a:p>
+            <a:pPr marL="457200" lvl="1" indent="0">
+              <a:buNone/>
+            </a:pPr>
+            <a:r>
+              <a:rPr lang="en-US" sz="2400" dirty="0"/>
+              <a:t>random()   [generate a random decimal value between 0 and 1]</a:t>
+            </a:r>
+          </a:p>
+          <a:p>
+            <a:pPr marL="457200" lvl="1" indent="0">
+              <a:buNone/>
+            </a:pPr>
+            <a:endParaRPr lang="en-US" sz="2400" dirty="0"/>
+          </a:p>
+          <a:p>
+            <a:pPr marL="457200" lvl="1" indent="0">
+              <a:buNone/>
+            </a:pPr>
+            <a:endParaRPr lang="en-US" sz="2400" dirty="0"/>
           </a:p>
         </p:txBody>
       </p:sp>
     </p:spTree>
     <p:extLst>
       <p:ext uri="{BB962C8B-B14F-4D97-AF65-F5344CB8AC3E}">
-        <p14:creationId xmlns:p14="http://schemas.microsoft.com/office/powerpoint/2010/main" val="2344811979"/>
+        <p14:creationId xmlns:p14="http://schemas.microsoft.com/office/powerpoint/2010/main" val="2444270864"/>
       </p:ext>
     </p:extLst>
   </p:cSld>
@@ -8538,7 +8954,7 @@
           <p:cNvPr id="2" name="Title 1">
             <a:extLst>
               <a:ext uri="{FF2B5EF4-FFF2-40B4-BE49-F238E27FC236}">
-                <a16:creationId xmlns:a16="http://schemas.microsoft.com/office/drawing/2014/main" id="{FF50A605-A74F-AC41-B90E-438C80629EF4}"/>
+                <a16:creationId xmlns:a16="http://schemas.microsoft.com/office/drawing/2014/main" id="{6D0FAD8B-490F-0840-A5E3-C4BCE69A81F8}"/>
               </a:ext>
             </a:extLst>
           </p:cNvPr>
@@ -8551,8 +8967,8 @@
         </p:nvSpPr>
         <p:spPr>
           <a:xfrm>
-            <a:off x="2200612" y="419602"/>
-            <a:ext cx="7729728" cy="1188720"/>
+            <a:off x="2236331" y="444283"/>
+            <a:ext cx="7729728" cy="1273682"/>
           </a:xfrm>
         </p:spPr>
         <p:txBody>
@@ -8561,7 +8977,7 @@
           <a:p>
             <a:r>
               <a:rPr lang="en-US" dirty="0"/>
-              <a:t>The gambler’s Fallacy</a:t>
+              <a:t>Pseudo-random numbers</a:t>
             </a:r>
           </a:p>
         </p:txBody>
@@ -8571,7 +8987,7 @@
           <p:cNvPr id="3" name="Content Placeholder 2">
             <a:extLst>
               <a:ext uri="{FF2B5EF4-FFF2-40B4-BE49-F238E27FC236}">
-                <a16:creationId xmlns:a16="http://schemas.microsoft.com/office/drawing/2014/main" id="{35D11773-5A59-E546-8DD1-6BC2F8A813BB}"/>
+                <a16:creationId xmlns:a16="http://schemas.microsoft.com/office/drawing/2014/main" id="{02A3765C-026D-4A44-9BF9-D40A91259E21}"/>
               </a:ext>
             </a:extLst>
           </p:cNvPr>
@@ -8584,29 +9000,19 @@
         </p:nvSpPr>
         <p:spPr>
           <a:xfrm>
-            <a:off x="1025236" y="1608322"/>
-            <a:ext cx="10626437" cy="5041859"/>
+            <a:off x="997527" y="1439037"/>
+            <a:ext cx="10654146" cy="5157790"/>
           </a:xfrm>
         </p:spPr>
         <p:txBody>
           <a:bodyPr>
-            <a:normAutofit fontScale="85000" lnSpcReduction="20000"/>
+            <a:noAutofit/>
           </a:bodyPr>
           <a:lstStyle/>
           <a:p>
             <a:r>
-              <a:rPr lang="en-US" sz="2400" dirty="0">
-                <a:solidFill>
-                  <a:srgbClr val="FF0000"/>
-                </a:solidFill>
-              </a:rPr>
-              <a:t>06_Monte_Carlo.ipynb</a:t>
-            </a:r>
-          </a:p>
-          <a:p>
-            <a:r>
               <a:rPr lang="en-US" sz="2400" dirty="0"/>
-              <a:t>Let’s look at an example to see how we can build probability into our simulations</a:t>
+              <a:t>True random numbers are, well, random…</a:t>
             </a:r>
           </a:p>
           <a:p>
@@ -8615,7 +9021,7 @@
           <a:p>
             <a:r>
               <a:rPr lang="en-US" sz="2400" dirty="0"/>
-              <a:t>The Gambler’s Fallacy asserts that taking something with known 50/50 odds (like flipping a coin) you’re unlikely to get long sets of the same outcome. If you just flipped heads five times a row, somehow you're more likely to flip tails next.</a:t>
+              <a:t>Computers only work when we tell them exactly what we want them to do</a:t>
             </a:r>
           </a:p>
           <a:p>
@@ -8624,7 +9030,7 @@
           <a:p>
             <a:r>
               <a:rPr lang="en-US" sz="2400" dirty="0"/>
-              <a:t>This is not true.  Over the long run you’ll get 50/50 odds, but may not over a few flips</a:t>
+              <a:t>So, we have a conflict here</a:t>
             </a:r>
           </a:p>
           <a:p>
@@ -8633,78 +9039,24 @@
           <a:p>
             <a:r>
               <a:rPr lang="en-US" sz="2400" dirty="0"/>
-              <a:t>A monte </a:t>
-            </a:r>
-            <a:r>
-              <a:rPr lang="en-US" sz="2400" dirty="0" err="1"/>
-              <a:t>carlo</a:t>
-            </a:r>
+              <a:t>How can we create truly random numbers when we have to tell the computer exactly how to generate random numbers?</a:t>
+            </a:r>
+          </a:p>
+          <a:p>
+            <a:endParaRPr lang="en-US" sz="2400" dirty="0"/>
+          </a:p>
+          <a:p>
             <a:r>
               <a:rPr lang="en-US" sz="2400" dirty="0"/>
-              <a:t> simulation can show this.  Let’s create a Python simulation that</a:t>
-            </a:r>
-          </a:p>
-          <a:p>
-            <a:pPr marL="571500" lvl="1" indent="-342900">
-              <a:buFont typeface="+mj-lt"/>
-              <a:buAutoNum type="arabicPeriod"/>
-            </a:pPr>
-            <a:r>
-              <a:rPr lang="en-US" sz="2400" dirty="0"/>
-              <a:t>Uses either </a:t>
-            </a:r>
-            <a:r>
-              <a:rPr lang="en-US" sz="2400" dirty="0" err="1"/>
-              <a:t>randrange</a:t>
-            </a:r>
-            <a:r>
-              <a:rPr lang="en-US" sz="2400" dirty="0"/>
-              <a:t>() or random() to simulate flipping a coin</a:t>
-            </a:r>
-          </a:p>
-          <a:p>
-            <a:pPr marL="571500" lvl="1" indent="-342900">
-              <a:buFont typeface="+mj-lt"/>
-              <a:buAutoNum type="arabicPeriod"/>
-            </a:pPr>
-            <a:r>
-              <a:rPr lang="en-US" sz="2400" dirty="0"/>
-              <a:t>Asks the user how many times she’d like to flip</a:t>
-            </a:r>
-          </a:p>
-          <a:p>
-            <a:pPr marL="571500" lvl="1" indent="-342900">
-              <a:buFont typeface="+mj-lt"/>
-              <a:buAutoNum type="arabicPeriod"/>
-            </a:pPr>
-            <a:r>
-              <a:rPr lang="en-US" sz="2400" dirty="0"/>
-              <a:t>Prints the current flip and keeps track of the number of heads and the number of tails</a:t>
-            </a:r>
-          </a:p>
-          <a:p>
-            <a:pPr marL="571500" lvl="1" indent="-342900">
-              <a:buFont typeface="+mj-lt"/>
-              <a:buAutoNum type="arabicPeriod"/>
-            </a:pPr>
-            <a:r>
-              <a:rPr lang="en-US" sz="2400" dirty="0"/>
-              <a:t>After all flips are completed, prints the percentage of heads and the percentage of tails</a:t>
-            </a:r>
-          </a:p>
-          <a:p>
-            <a:pPr lvl="1"/>
-            <a:endParaRPr lang="en-US" dirty="0"/>
-          </a:p>
-          <a:p>
-            <a:endParaRPr lang="en-US" dirty="0"/>
+              <a:t>Answer = we can’t.  Computers generate pseudo-random numbers. They appear to be random, but there is an underlying pattern and algorithm</a:t>
+            </a:r>
           </a:p>
         </p:txBody>
       </p:sp>
     </p:spTree>
     <p:extLst>
       <p:ext uri="{BB962C8B-B14F-4D97-AF65-F5344CB8AC3E}">
-        <p14:creationId xmlns:p14="http://schemas.microsoft.com/office/powerpoint/2010/main" val="3111889986"/>
+        <p14:creationId xmlns:p14="http://schemas.microsoft.com/office/powerpoint/2010/main" val="2279116319"/>
       </p:ext>
     </p:extLst>
   </p:cSld>
@@ -8736,7 +9088,7 @@
           <p:cNvPr id="2" name="Title 1">
             <a:extLst>
               <a:ext uri="{FF2B5EF4-FFF2-40B4-BE49-F238E27FC236}">
-                <a16:creationId xmlns:a16="http://schemas.microsoft.com/office/drawing/2014/main" id="{2D8E5C6F-850D-144B-8AF5-78B2DFE6D1EE}"/>
+                <a16:creationId xmlns:a16="http://schemas.microsoft.com/office/drawing/2014/main" id="{6D0FAD8B-490F-0840-A5E3-C4BCE69A81F8}"/>
               </a:ext>
             </a:extLst>
           </p:cNvPr>
@@ -8747,15 +9099,19 @@
             <p:ph type="title"/>
           </p:nvPr>
         </p:nvSpPr>
-        <p:spPr/>
+        <p:spPr>
+          <a:xfrm>
+            <a:off x="2222476" y="446446"/>
+            <a:ext cx="7729728" cy="1188720"/>
+          </a:xfrm>
+        </p:spPr>
         <p:txBody>
           <a:bodyPr/>
           <a:lstStyle/>
           <a:p>
-            <a:pPr algn="ctr"/>
             <a:r>
               <a:rPr lang="en-US" dirty="0"/>
-              <a:t>The gambler’s fallacy</a:t>
+              <a:t>Pseudo-random numbers</a:t>
             </a:r>
           </a:p>
         </p:txBody>
@@ -8765,7 +9121,7 @@
           <p:cNvPr id="3" name="Content Placeholder 2">
             <a:extLst>
               <a:ext uri="{FF2B5EF4-FFF2-40B4-BE49-F238E27FC236}">
-                <a16:creationId xmlns:a16="http://schemas.microsoft.com/office/drawing/2014/main" id="{5BBEDC47-2DA8-2E43-A660-47EFA109F4DD}"/>
+                <a16:creationId xmlns:a16="http://schemas.microsoft.com/office/drawing/2014/main" id="{02A3765C-026D-4A44-9BF9-D40A91259E21}"/>
               </a:ext>
             </a:extLst>
           </p:cNvPr>
@@ -8778,190 +9134,45 @@
         </p:nvSpPr>
         <p:spPr>
           <a:xfrm>
-            <a:off x="1066800" y="1551709"/>
-            <a:ext cx="10363200" cy="5153891"/>
+            <a:off x="1066800" y="2043113"/>
+            <a:ext cx="10515600" cy="4600575"/>
           </a:xfrm>
         </p:spPr>
         <p:txBody>
           <a:bodyPr>
-            <a:normAutofit fontScale="47500" lnSpcReduction="20000"/>
+            <a:normAutofit/>
           </a:bodyPr>
           <a:lstStyle/>
           <a:p>
-            <a:pPr marL="742950" lvl="1" indent="-514350">
-              <a:buFont typeface="+mj-lt"/>
-              <a:buAutoNum type="arabicPeriod"/>
-            </a:pPr>
-            <a:r>
-              <a:rPr lang="en-US" sz="3400" dirty="0"/>
-              <a:t>Uses either </a:t>
-            </a:r>
-            <a:r>
-              <a:rPr lang="en-US" sz="3400" dirty="0" err="1"/>
-              <a:t>randrange</a:t>
-            </a:r>
-            <a:r>
-              <a:rPr lang="en-US" sz="3400" dirty="0"/>
-              <a:t>() or random() to simulate flipping a coin</a:t>
-            </a:r>
-          </a:p>
-          <a:p>
-            <a:pPr marL="571500" lvl="1" indent="-342900">
-              <a:buFont typeface="+mj-lt"/>
-              <a:buAutoNum type="arabicPeriod"/>
-            </a:pPr>
-            <a:endParaRPr lang="en-US" sz="3400" dirty="0"/>
-          </a:p>
-          <a:p>
-            <a:pPr marL="228600" lvl="1" indent="0">
-              <a:buNone/>
-            </a:pPr>
-            <a:r>
-              <a:rPr lang="en-US" sz="3400" dirty="0"/>
-              <a:t>The way to use random numbers to simulate probability is to pick ranges of numbers and assign each an outcome.</a:t>
-            </a:r>
-          </a:p>
-          <a:p>
-            <a:pPr marL="228600" lvl="1" indent="0">
-              <a:buNone/>
-            </a:pPr>
-            <a:endParaRPr lang="en-US" sz="3400" dirty="0"/>
-          </a:p>
-          <a:p>
-            <a:pPr marL="228600" lvl="1" indent="0">
-              <a:buNone/>
-            </a:pPr>
-            <a:r>
-              <a:rPr lang="en-US" sz="3400" dirty="0"/>
-              <a:t>For example, with a coin flip we have two equally likely outcomes (heads or tails). </a:t>
-            </a:r>
-          </a:p>
-          <a:p>
-            <a:pPr marL="228600" lvl="1" indent="0">
-              <a:buNone/>
-            </a:pPr>
-            <a:endParaRPr lang="en-US" sz="3400" dirty="0"/>
-          </a:p>
-          <a:p>
-            <a:pPr marL="228600" lvl="1" indent="0">
-              <a:buNone/>
-            </a:pPr>
-            <a:r>
-              <a:rPr lang="en-US" sz="3400" dirty="0"/>
-              <a:t>We’ll take the range 0 to 1 and and say if we randomly choose 0 then we flipped heads, if we randomly chose 1 then we flipped tails</a:t>
-            </a:r>
-          </a:p>
-          <a:p>
-            <a:pPr marL="228600" lvl="1" indent="0">
-              <a:buNone/>
-            </a:pPr>
-            <a:endParaRPr lang="en-US" sz="3400" dirty="0"/>
-          </a:p>
-          <a:p>
-            <a:pPr marL="228600" lvl="1" indent="0">
-              <a:buNone/>
-            </a:pPr>
-            <a:r>
-              <a:rPr lang="en-US" sz="3400" dirty="0"/>
-              <a:t>There’s a lot of different ways you can choose your ranges – we could do 0 to 1 with decimal values and 0 to 0.5 equals heads</a:t>
-            </a:r>
-          </a:p>
-          <a:p>
-            <a:pPr marL="228600" lvl="1" indent="0">
-              <a:buNone/>
-            </a:pPr>
-            <a:endParaRPr lang="en-US" sz="3400" dirty="0"/>
-          </a:p>
-          <a:p>
-            <a:pPr marL="228600" lvl="1" indent="0">
-              <a:buNone/>
-            </a:pPr>
-            <a:r>
-              <a:rPr lang="en-US" sz="3400" dirty="0">
-                <a:solidFill>
-                  <a:srgbClr val="FF0000"/>
-                </a:solidFill>
-              </a:rPr>
-              <a:t>The important thing is that the number of values in the ranges equals the probabilities your working with.</a:t>
-            </a:r>
-          </a:p>
-          <a:p>
-            <a:pPr marL="228600" lvl="1" indent="0">
-              <a:buNone/>
-            </a:pPr>
-            <a:r>
-              <a:rPr lang="en-US" sz="3400" dirty="0">
-                <a:solidFill>
-                  <a:srgbClr val="FF0000"/>
-                </a:solidFill>
-              </a:rPr>
-              <a:t>Here, we have 50/50 odds so we need two ranges both having the same number of values</a:t>
-            </a:r>
-          </a:p>
-          <a:p>
-            <a:pPr marL="228600" lvl="1" indent="0">
-              <a:buNone/>
-            </a:pPr>
-            <a:endParaRPr lang="en-US" sz="3400" dirty="0">
-              <a:solidFill>
-                <a:srgbClr val="FF0000"/>
-              </a:solidFill>
-            </a:endParaRPr>
-          </a:p>
-          <a:p>
-            <a:pPr marL="228600" lvl="1" indent="0">
-              <a:buNone/>
-            </a:pPr>
-            <a:r>
-              <a:rPr lang="en-US" sz="3600" dirty="0"/>
-              <a:t>import random # don’t forget to import the needed function</a:t>
-            </a:r>
-          </a:p>
-          <a:p>
-            <a:pPr marL="228600" lvl="1" indent="0">
-              <a:buNone/>
-            </a:pPr>
-            <a:r>
-              <a:rPr lang="en-US" sz="3600" dirty="0" err="1"/>
-              <a:t>random.randrange</a:t>
-            </a:r>
-            <a:r>
-              <a:rPr lang="en-US" sz="3600" dirty="0"/>
-              <a:t>(0,2) # will generate a random integer in the range [0,1]</a:t>
-            </a:r>
-          </a:p>
-          <a:p>
-            <a:pPr marL="228600" lvl="1" indent="0">
-              <a:buNone/>
-            </a:pPr>
-            <a:endParaRPr lang="en-US" sz="3400" dirty="0">
-              <a:solidFill>
-                <a:srgbClr val="FF0000"/>
-              </a:solidFill>
-            </a:endParaRPr>
-          </a:p>
-          <a:p>
-            <a:pPr marL="0" indent="0">
-              <a:buNone/>
-            </a:pPr>
-            <a:endParaRPr lang="en-US" dirty="0">
-              <a:solidFill>
-                <a:srgbClr val="FF0000"/>
-              </a:solidFill>
-            </a:endParaRPr>
-          </a:p>
-          <a:p>
-            <a:pPr marL="0" indent="0">
-              <a:buNone/>
-            </a:pPr>
-            <a:endParaRPr lang="en-US" dirty="0"/>
+            <a:r>
+              <a:rPr lang="en-US" sz="2400" dirty="0"/>
+              <a:t>The default random number generator in Python is ok for all of the examples we’ll be working on</a:t>
+            </a:r>
+          </a:p>
+          <a:p>
+            <a:endParaRPr lang="en-US" sz="2400" dirty="0"/>
+          </a:p>
+          <a:p>
+            <a:r>
+              <a:rPr lang="en-US" sz="2400" dirty="0"/>
+              <a:t>But, if you continue with programming, it’ll be important to know the limitations of the random number generator and how it impacts your programs</a:t>
+            </a:r>
+          </a:p>
+          <a:p>
+            <a:endParaRPr lang="en-US" sz="2400" dirty="0"/>
+          </a:p>
+          <a:p>
+            <a:r>
+              <a:rPr lang="en-US" sz="2400" dirty="0"/>
+              <a:t>For example, Python’s default random number generator should never be used for cryptography and secret codes – it’s too easy to break</a:t>
+            </a:r>
           </a:p>
         </p:txBody>
       </p:sp>
     </p:spTree>
     <p:extLst>
       <p:ext uri="{BB962C8B-B14F-4D97-AF65-F5344CB8AC3E}">
-        <p14:creationId xmlns:p14="http://schemas.microsoft.com/office/powerpoint/2010/main" val="2598026229"/>
+        <p14:creationId xmlns:p14="http://schemas.microsoft.com/office/powerpoint/2010/main" val="2344811979"/>
       </p:ext>
     </p:extLst>
   </p:cSld>
@@ -8993,7 +9204,7 @@
           <p:cNvPr id="2" name="Title 1">
             <a:extLst>
               <a:ext uri="{FF2B5EF4-FFF2-40B4-BE49-F238E27FC236}">
-                <a16:creationId xmlns:a16="http://schemas.microsoft.com/office/drawing/2014/main" id="{2D8E5C6F-850D-144B-8AF5-78B2DFE6D1EE}"/>
+                <a16:creationId xmlns:a16="http://schemas.microsoft.com/office/drawing/2014/main" id="{FF50A605-A74F-AC41-B90E-438C80629EF4}"/>
               </a:ext>
             </a:extLst>
           </p:cNvPr>
@@ -9004,15 +9215,19 @@
             <p:ph type="title"/>
           </p:nvPr>
         </p:nvSpPr>
-        <p:spPr/>
+        <p:spPr>
+          <a:xfrm>
+            <a:off x="2200612" y="419602"/>
+            <a:ext cx="7729728" cy="1188720"/>
+          </a:xfrm>
+        </p:spPr>
         <p:txBody>
           <a:bodyPr/>
           <a:lstStyle/>
           <a:p>
-            <a:pPr algn="ctr"/>
             <a:r>
               <a:rPr lang="en-US" dirty="0"/>
-              <a:t>The gambler’s fallacy</a:t>
+              <a:t>The gambler’s Fallacy</a:t>
             </a:r>
           </a:p>
         </p:txBody>
@@ -9022,7 +9237,7 @@
           <p:cNvPr id="3" name="Content Placeholder 2">
             <a:extLst>
               <a:ext uri="{FF2B5EF4-FFF2-40B4-BE49-F238E27FC236}">
-                <a16:creationId xmlns:a16="http://schemas.microsoft.com/office/drawing/2014/main" id="{5BBEDC47-2DA8-2E43-A660-47EFA109F4DD}"/>
+                <a16:creationId xmlns:a16="http://schemas.microsoft.com/office/drawing/2014/main" id="{35D11773-5A59-E546-8DD1-6BC2F8A813BB}"/>
               </a:ext>
             </a:extLst>
           </p:cNvPr>
@@ -9035,19 +9250,88 @@
         </p:nvSpPr>
         <p:spPr>
           <a:xfrm>
-            <a:off x="1242592" y="1524001"/>
-            <a:ext cx="10178322" cy="4987636"/>
+            <a:off x="1025236" y="1608322"/>
+            <a:ext cx="10626437" cy="5041859"/>
           </a:xfrm>
         </p:spPr>
         <p:txBody>
           <a:bodyPr>
-            <a:normAutofit fontScale="70000" lnSpcReduction="20000"/>
+            <a:normAutofit fontScale="85000" lnSpcReduction="20000"/>
           </a:bodyPr>
           <a:lstStyle/>
           <a:p>
-            <a:pPr lvl="1" indent="-457200">
+            <a:r>
+              <a:rPr lang="en-US" sz="2400" dirty="0">
+                <a:solidFill>
+                  <a:srgbClr val="FF0000"/>
+                </a:solidFill>
+              </a:rPr>
+              <a:t>06_Monte_Carlo.ipynb</a:t>
+            </a:r>
+          </a:p>
+          <a:p>
+            <a:r>
+              <a:rPr lang="en-US" sz="2400" dirty="0"/>
+              <a:t>Let’s look at an example to see how we can build probability into our simulations</a:t>
+            </a:r>
+          </a:p>
+          <a:p>
+            <a:endParaRPr lang="en-US" sz="2400" dirty="0"/>
+          </a:p>
+          <a:p>
+            <a:r>
+              <a:rPr lang="en-US" sz="2400" dirty="0"/>
+              <a:t>The Gambler’s Fallacy asserts that taking something with known 50/50 odds (like flipping a coin) you’re unlikely to get long sets of the same outcome. If you just flipped heads five times a row, somehow you're more likely to flip tails next.</a:t>
+            </a:r>
+          </a:p>
+          <a:p>
+            <a:endParaRPr lang="en-US" sz="2400" dirty="0"/>
+          </a:p>
+          <a:p>
+            <a:r>
+              <a:rPr lang="en-US" sz="2400" dirty="0"/>
+              <a:t>This is not true.  Over the long run you’ll get 50/50 odds, but may not over a few flips</a:t>
+            </a:r>
+          </a:p>
+          <a:p>
+            <a:endParaRPr lang="en-US" sz="2400" dirty="0"/>
+          </a:p>
+          <a:p>
+            <a:r>
+              <a:rPr lang="en-US" sz="2400" dirty="0"/>
+              <a:t>A monte </a:t>
+            </a:r>
+            <a:r>
+              <a:rPr lang="en-US" sz="2400" dirty="0" err="1"/>
+              <a:t>carlo</a:t>
+            </a:r>
+            <a:r>
+              <a:rPr lang="en-US" sz="2400" dirty="0"/>
+              <a:t> simulation can show this.  Let’s create a Python simulation that</a:t>
+            </a:r>
+          </a:p>
+          <a:p>
+            <a:pPr marL="571500" lvl="1" indent="-342900">
               <a:buFont typeface="+mj-lt"/>
-              <a:buAutoNum type="arabicPeriod" startAt="2"/>
+              <a:buAutoNum type="arabicPeriod"/>
+            </a:pPr>
+            <a:r>
+              <a:rPr lang="en-US" sz="2400" dirty="0"/>
+              <a:t>Uses either </a:t>
+            </a:r>
+            <a:r>
+              <a:rPr lang="en-US" sz="2400" dirty="0" err="1"/>
+              <a:t>randrange</a:t>
+            </a:r>
+            <a:r>
+              <a:rPr lang="en-US" sz="2400" dirty="0"/>
+              <a:t>() or random() to simulate flipping a coin</a:t>
+            </a:r>
+          </a:p>
+          <a:p>
+            <a:pPr marL="571500" lvl="1" indent="-342900">
+              <a:buFont typeface="+mj-lt"/>
+              <a:buAutoNum type="arabicPeriod"/>
             </a:pPr>
             <a:r>
               <a:rPr lang="en-US" sz="2400" dirty="0"/>
@@ -9055,47 +9339,9 @@
             </a:r>
           </a:p>
           <a:p>
-            <a:pPr marL="0" indent="0">
-              <a:buNone/>
-            </a:pPr>
-            <a:endParaRPr lang="en-US" dirty="0"/>
-          </a:p>
-          <a:p>
-            <a:pPr marL="0" indent="0">
-              <a:buNone/>
-            </a:pPr>
-            <a:r>
-              <a:rPr lang="en-US" dirty="0">
-                <a:latin typeface="Courier New" panose="02070309020205020404" pitchFamily="49" charset="0"/>
-                <a:cs typeface="Courier New" panose="02070309020205020404" pitchFamily="49" charset="0"/>
-              </a:rPr>
-              <a:t>flips = </a:t>
-            </a:r>
-            <a:r>
-              <a:rPr lang="en-US" dirty="0" err="1">
-                <a:latin typeface="Courier New" panose="02070309020205020404" pitchFamily="49" charset="0"/>
-                <a:cs typeface="Courier New" panose="02070309020205020404" pitchFamily="49" charset="0"/>
-              </a:rPr>
-              <a:t>int</a:t>
-            </a:r>
-            <a:r>
-              <a:rPr lang="en-US" dirty="0">
-                <a:latin typeface="Courier New" panose="02070309020205020404" pitchFamily="49" charset="0"/>
-                <a:cs typeface="Courier New" panose="02070309020205020404" pitchFamily="49" charset="0"/>
-              </a:rPr>
-              <a:t>(input(“How many flips would you like?”))</a:t>
-            </a:r>
-          </a:p>
-          <a:p>
-            <a:pPr marL="0" indent="0">
-              <a:buNone/>
-            </a:pPr>
-            <a:endParaRPr lang="en-US" dirty="0"/>
-          </a:p>
-          <a:p>
-            <a:pPr marL="914400" lvl="1" indent="-457200">
+            <a:pPr marL="571500" lvl="1" indent="-342900">
               <a:buFont typeface="+mj-lt"/>
-              <a:buAutoNum type="arabicPeriod" startAt="3"/>
+              <a:buAutoNum type="arabicPeriod"/>
             </a:pPr>
             <a:r>
               <a:rPr lang="en-US" sz="2400" dirty="0"/>
@@ -9103,139 +9349,20 @@
             </a:r>
           </a:p>
           <a:p>
-            <a:pPr marL="914400" lvl="1" indent="-457200">
+            <a:pPr marL="571500" lvl="1" indent="-342900">
               <a:buFont typeface="+mj-lt"/>
-              <a:buAutoNum type="arabicPeriod" startAt="3"/>
+              <a:buAutoNum type="arabicPeriod"/>
             </a:pPr>
-            <a:endParaRPr lang="en-US" sz="2400" dirty="0"/>
-          </a:p>
-          <a:p>
-            <a:pPr marL="0" indent="0">
-              <a:buNone/>
-            </a:pPr>
-            <a:r>
-              <a:rPr lang="en-US" sz="2600" dirty="0">
-                <a:latin typeface="Courier New" panose="02070309020205020404" pitchFamily="49" charset="0"/>
-                <a:cs typeface="Courier New" panose="02070309020205020404" pitchFamily="49" charset="0"/>
-              </a:rPr>
-              <a:t>heads = 0</a:t>
-            </a:r>
-          </a:p>
-          <a:p>
-            <a:pPr marL="0" indent="0">
-              <a:buNone/>
-            </a:pPr>
-            <a:r>
-              <a:rPr lang="en-US" sz="2600" dirty="0">
-                <a:latin typeface="Courier New" panose="02070309020205020404" pitchFamily="49" charset="0"/>
-                <a:cs typeface="Courier New" panose="02070309020205020404" pitchFamily="49" charset="0"/>
-              </a:rPr>
-              <a:t>tails = 0</a:t>
-            </a:r>
-          </a:p>
-          <a:p>
-            <a:pPr marL="0" indent="0">
-              <a:buNone/>
-            </a:pPr>
-            <a:r>
-              <a:rPr lang="en-US" sz="2600" dirty="0">
-                <a:latin typeface="Courier New" panose="02070309020205020404" pitchFamily="49" charset="0"/>
-                <a:cs typeface="Courier New" panose="02070309020205020404" pitchFamily="49" charset="0"/>
-              </a:rPr>
-              <a:t>flip = </a:t>
-            </a:r>
-            <a:r>
-              <a:rPr lang="en-US" sz="2600" dirty="0" err="1">
-                <a:latin typeface="Courier New" panose="02070309020205020404" pitchFamily="49" charset="0"/>
-                <a:cs typeface="Courier New" panose="02070309020205020404" pitchFamily="49" charset="0"/>
-              </a:rPr>
-              <a:t>random.randrange</a:t>
-            </a:r>
-            <a:r>
-              <a:rPr lang="en-US" sz="2600" dirty="0">
-                <a:latin typeface="Courier New" panose="02070309020205020404" pitchFamily="49" charset="0"/>
-                <a:cs typeface="Courier New" panose="02070309020205020404" pitchFamily="49" charset="0"/>
-              </a:rPr>
-              <a:t>(0,2)</a:t>
-            </a:r>
-          </a:p>
-          <a:p>
-            <a:pPr marL="0" indent="0">
-              <a:buNone/>
-            </a:pPr>
-            <a:r>
-              <a:rPr lang="en-US" sz="2600" dirty="0">
-                <a:latin typeface="Courier New" panose="02070309020205020404" pitchFamily="49" charset="0"/>
-                <a:cs typeface="Courier New" panose="02070309020205020404" pitchFamily="49" charset="0"/>
-              </a:rPr>
-              <a:t>if (flip==1):</a:t>
-            </a:r>
-          </a:p>
-          <a:p>
-            <a:pPr marL="0" indent="0">
-              <a:buNone/>
-            </a:pPr>
-            <a:r>
-              <a:rPr lang="en-US" sz="2600" dirty="0">
-                <a:latin typeface="Courier New" panose="02070309020205020404" pitchFamily="49" charset="0"/>
-                <a:cs typeface="Courier New" panose="02070309020205020404" pitchFamily="49" charset="0"/>
-              </a:rPr>
-              <a:t>   heads = heads + 1 # a short-hand notation for this is heads += 1</a:t>
-            </a:r>
-          </a:p>
-          <a:p>
-            <a:pPr marL="0" indent="0">
-              <a:buNone/>
-            </a:pPr>
-            <a:r>
-              <a:rPr lang="en-US" sz="2600" dirty="0">
-                <a:latin typeface="Courier New" panose="02070309020205020404" pitchFamily="49" charset="0"/>
-                <a:cs typeface="Courier New" panose="02070309020205020404" pitchFamily="49" charset="0"/>
-              </a:rPr>
-              <a:t>   print("Heads")</a:t>
-            </a:r>
-          </a:p>
-          <a:p>
-            <a:pPr marL="0" indent="0">
-              <a:buNone/>
-            </a:pPr>
-            <a:r>
-              <a:rPr lang="en-US" sz="2600" dirty="0">
-                <a:latin typeface="Courier New" panose="02070309020205020404" pitchFamily="49" charset="0"/>
-                <a:cs typeface="Courier New" panose="02070309020205020404" pitchFamily="49" charset="0"/>
-              </a:rPr>
-              <a:t>else:</a:t>
-            </a:r>
-          </a:p>
-          <a:p>
-            <a:pPr marL="0" indent="0">
-              <a:buNone/>
-            </a:pPr>
-            <a:r>
-              <a:rPr lang="en-US" sz="2600" dirty="0">
-                <a:latin typeface="Courier New" panose="02070309020205020404" pitchFamily="49" charset="0"/>
-                <a:cs typeface="Courier New" panose="02070309020205020404" pitchFamily="49" charset="0"/>
-              </a:rPr>
-              <a:t>   tails = tails + 1</a:t>
-            </a:r>
-          </a:p>
-          <a:p>
-            <a:pPr marL="0" indent="0">
-              <a:buNone/>
-            </a:pPr>
-            <a:r>
-              <a:rPr lang="en-US" sz="2600" dirty="0">
-                <a:latin typeface="Courier New" panose="02070309020205020404" pitchFamily="49" charset="0"/>
-                <a:cs typeface="Courier New" panose="02070309020205020404" pitchFamily="49" charset="0"/>
-              </a:rPr>
-              <a:t>   print("Tails")</a:t>
-            </a:r>
-          </a:p>
-          <a:p>
-            <a:pPr marL="914400" lvl="1" indent="-457200">
-              <a:buFont typeface="+mj-lt"/>
-              <a:buAutoNum type="arabicPeriod" startAt="3"/>
-            </a:pPr>
+            <a:r>
+              <a:rPr lang="en-US" sz="2400" dirty="0"/>
+              <a:t>After all flips are completed, prints the percentage of heads and the percentage of tails</a:t>
+            </a:r>
+          </a:p>
+          <a:p>
+            <a:pPr lvl="1"/>
+            <a:endParaRPr lang="en-US" dirty="0"/>
+          </a:p>
+          <a:p>
             <a:endParaRPr lang="en-US" dirty="0"/>
           </a:p>
         </p:txBody>
@@ -9243,7 +9370,7 @@
     </p:spTree>
     <p:extLst>
       <p:ext uri="{BB962C8B-B14F-4D97-AF65-F5344CB8AC3E}">
-        <p14:creationId xmlns:p14="http://schemas.microsoft.com/office/powerpoint/2010/main" val="3550928993"/>
+        <p14:creationId xmlns:p14="http://schemas.microsoft.com/office/powerpoint/2010/main" val="3111889986"/>
       </p:ext>
     </p:extLst>
   </p:cSld>
@@ -9317,92 +9444,190 @@
         </p:nvSpPr>
         <p:spPr>
           <a:xfrm>
-            <a:off x="1149927" y="1759527"/>
-            <a:ext cx="10280073" cy="4502728"/>
+            <a:off x="1066800" y="1551709"/>
+            <a:ext cx="10363200" cy="5153891"/>
           </a:xfrm>
         </p:spPr>
         <p:txBody>
-          <a:bodyPr/>
+          <a:bodyPr>
+            <a:normAutofit fontScale="47500" lnSpcReduction="20000"/>
+          </a:bodyPr>
           <a:lstStyle/>
           <a:p>
-            <a:pPr lvl="1" indent="-457200">
+            <a:pPr marL="742950" lvl="1" indent="-514350">
               <a:buFont typeface="+mj-lt"/>
-              <a:buAutoNum type="arabicPeriod" startAt="4"/>
+              <a:buAutoNum type="arabicPeriod"/>
             </a:pPr>
             <a:r>
-              <a:rPr lang="en-US" sz="2400" dirty="0"/>
-              <a:t>After all flips are completed, prints the percentage of heads and the percentage of tails</a:t>
-            </a:r>
-          </a:p>
-          <a:p>
-            <a:endParaRPr lang="en-US" dirty="0"/>
-          </a:p>
-          <a:p>
-            <a:pPr marL="0" indent="0">
-              <a:buNone/>
+              <a:rPr lang="en-US" sz="3400" dirty="0"/>
+              <a:t>Uses either </a:t>
+            </a:r>
+            <a:r>
+              <a:rPr lang="en-US" sz="3400" dirty="0" err="1"/>
+              <a:t>randrange</a:t>
+            </a:r>
+            <a:r>
+              <a:rPr lang="en-US" sz="3400" dirty="0"/>
+              <a:t>() or random() to simulate flipping a coin</a:t>
+            </a:r>
+          </a:p>
+          <a:p>
+            <a:pPr marL="571500" lvl="1" indent="-342900">
+              <a:buFont typeface="+mj-lt"/>
+              <a:buAutoNum type="arabicPeriod"/>
             </a:pPr>
-            <a:r>
-              <a:rPr lang="en-US" dirty="0">
-                <a:latin typeface="Courier New" panose="02070309020205020404" pitchFamily="49" charset="0"/>
-                <a:cs typeface="Courier New" panose="02070309020205020404" pitchFamily="49" charset="0"/>
-              </a:rPr>
-              <a:t>print("Flipped", flips, "times")</a:t>
-            </a:r>
-          </a:p>
-          <a:p>
-            <a:pPr marL="0" indent="0">
+            <a:endParaRPr lang="en-US" sz="3400" dirty="0"/>
+          </a:p>
+          <a:p>
+            <a:pPr marL="228600" lvl="1" indent="0">
               <a:buNone/>
             </a:pPr>
             <a:r>
-              <a:rPr lang="en-US" dirty="0">
-                <a:latin typeface="Courier New" panose="02070309020205020404" pitchFamily="49" charset="0"/>
-                <a:cs typeface="Courier New" panose="02070309020205020404" pitchFamily="49" charset="0"/>
-              </a:rPr>
-              <a:t>print("Got ", (float(heads)/float(flips)), "% heads")</a:t>
-            </a:r>
-          </a:p>
-          <a:p>
-            <a:pPr marL="0" indent="0">
+              <a:rPr lang="en-US" sz="3400" dirty="0"/>
+              <a:t>The way to use random numbers to simulate probability is to pick ranges of numbers and assign each an outcome.</a:t>
+            </a:r>
+          </a:p>
+          <a:p>
+            <a:pPr marL="228600" lvl="1" indent="0">
               <a:buNone/>
             </a:pPr>
-            <a:r>
-              <a:rPr lang="en-US" dirty="0">
-                <a:latin typeface="Courier New" panose="02070309020205020404" pitchFamily="49" charset="0"/>
-                <a:cs typeface="Courier New" panose="02070309020205020404" pitchFamily="49" charset="0"/>
-              </a:rPr>
-              <a:t>print("Got ", (float(tails)/float(flips)), "% tails") </a:t>
-            </a:r>
-          </a:p>
-          <a:p>
-            <a:pPr marL="0" indent="0">
+            <a:endParaRPr lang="en-US" sz="3400" dirty="0"/>
+          </a:p>
+          <a:p>
+            <a:pPr marL="228600" lvl="1" indent="0">
               <a:buNone/>
             </a:pPr>
-            <a:endParaRPr lang="en-US" dirty="0">
-              <a:latin typeface="Courier New" panose="02070309020205020404" pitchFamily="49" charset="0"/>
-              <a:cs typeface="Courier New" panose="02070309020205020404" pitchFamily="49" charset="0"/>
-            </a:endParaRPr>
-          </a:p>
-          <a:p>
-            <a:pPr marL="0" indent="0">
+            <a:r>
+              <a:rPr lang="en-US" sz="3400" dirty="0"/>
+              <a:t>For example, with a coin flip we have two equally likely outcomes (heads or tails). </a:t>
+            </a:r>
+          </a:p>
+          <a:p>
+            <a:pPr marL="228600" lvl="1" indent="0">
               <a:buNone/>
             </a:pPr>
-            <a:r>
-              <a:rPr lang="en-US" dirty="0">
+            <a:endParaRPr lang="en-US" sz="3400" dirty="0"/>
+          </a:p>
+          <a:p>
+            <a:pPr marL="228600" lvl="1" indent="0">
+              <a:buNone/>
+            </a:pPr>
+            <a:r>
+              <a:rPr lang="en-US" sz="3400" dirty="0"/>
+              <a:t>We’ll take the range 0 to 1 and and say if we randomly choose 0 then we flipped heads, if we randomly chose 1 then we flipped tails</a:t>
+            </a:r>
+          </a:p>
+          <a:p>
+            <a:pPr marL="228600" lvl="1" indent="0">
+              <a:buNone/>
+            </a:pPr>
+            <a:endParaRPr lang="en-US" sz="3400" dirty="0"/>
+          </a:p>
+          <a:p>
+            <a:pPr marL="228600" lvl="1" indent="0">
+              <a:buNone/>
+            </a:pPr>
+            <a:r>
+              <a:rPr lang="en-US" sz="3400" dirty="0"/>
+              <a:t>There’s a lot of different ways you can choose your ranges – we could do 0 to 1 with decimal values and 0 to 0.5 equals heads</a:t>
+            </a:r>
+          </a:p>
+          <a:p>
+            <a:pPr marL="228600" lvl="1" indent="0">
+              <a:buNone/>
+            </a:pPr>
+            <a:endParaRPr lang="en-US" sz="3400" dirty="0"/>
+          </a:p>
+          <a:p>
+            <a:pPr marL="228600" lvl="1" indent="0">
+              <a:buNone/>
+            </a:pPr>
+            <a:r>
+              <a:rPr lang="en-US" sz="3400" dirty="0">
                 <a:solidFill>
                   <a:srgbClr val="FF0000"/>
                 </a:solidFill>
-                <a:latin typeface="Courier New" panose="02070309020205020404" pitchFamily="49" charset="0"/>
-                <a:cs typeface="Courier New" panose="02070309020205020404" pitchFamily="49" charset="0"/>
               </a:rPr>
-              <a:t># Note the floating point division</a:t>
-            </a:r>
+              <a:t>The important thing is that the number of values in the ranges equals the probabilities your working with.</a:t>
+            </a:r>
+          </a:p>
+          <a:p>
+            <a:pPr marL="228600" lvl="1" indent="0">
+              <a:buNone/>
+            </a:pPr>
+            <a:r>
+              <a:rPr lang="en-US" sz="3400" dirty="0">
+                <a:solidFill>
+                  <a:srgbClr val="FF0000"/>
+                </a:solidFill>
+              </a:rPr>
+              <a:t>Here, we have 50/50 odds so we need two ranges both having the same number of values</a:t>
+            </a:r>
+          </a:p>
+          <a:p>
+            <a:pPr marL="228600" lvl="1" indent="0">
+              <a:buNone/>
+            </a:pPr>
+            <a:endParaRPr lang="en-US" sz="3400" dirty="0">
+              <a:solidFill>
+                <a:srgbClr val="FF0000"/>
+              </a:solidFill>
+            </a:endParaRPr>
+          </a:p>
+          <a:p>
+            <a:pPr marL="228600" lvl="1" indent="0">
+              <a:buNone/>
+            </a:pPr>
+            <a:r>
+              <a:rPr lang="en-US" sz="3600" dirty="0"/>
+              <a:t>import random # don’t forget to import the needed function</a:t>
+            </a:r>
+          </a:p>
+          <a:p>
+            <a:pPr marL="228600" lvl="1" indent="0">
+              <a:buNone/>
+            </a:pPr>
+            <a:r>
+              <a:rPr lang="en-US" sz="3600" dirty="0" err="1"/>
+              <a:t>random.randrange</a:t>
+            </a:r>
+            <a:r>
+              <a:rPr lang="en-US" sz="3600" dirty="0"/>
+              <a:t>(0,2) # will generate a random integer in the range [0,1]</a:t>
+            </a:r>
+          </a:p>
+          <a:p>
+            <a:pPr marL="228600" lvl="1" indent="0">
+              <a:buNone/>
+            </a:pPr>
+            <a:endParaRPr lang="en-US" sz="3400" dirty="0">
+              <a:solidFill>
+                <a:srgbClr val="FF0000"/>
+              </a:solidFill>
+            </a:endParaRPr>
+          </a:p>
+          <a:p>
+            <a:pPr marL="0" indent="0">
+              <a:buNone/>
+            </a:pPr>
+            <a:endParaRPr lang="en-US" dirty="0">
+              <a:solidFill>
+                <a:srgbClr val="FF0000"/>
+              </a:solidFill>
+            </a:endParaRPr>
+          </a:p>
+          <a:p>
+            <a:pPr marL="0" indent="0">
+              <a:buNone/>
+            </a:pPr>
+            <a:endParaRPr lang="en-US" dirty="0"/>
           </a:p>
         </p:txBody>
       </p:sp>
     </p:spTree>
     <p:extLst>
       <p:ext uri="{BB962C8B-B14F-4D97-AF65-F5344CB8AC3E}">
-        <p14:creationId xmlns:p14="http://schemas.microsoft.com/office/powerpoint/2010/main" val="2013300220"/>
+        <p14:creationId xmlns:p14="http://schemas.microsoft.com/office/powerpoint/2010/main" val="2598026229"/>
       </p:ext>
     </p:extLst>
   </p:cSld>
@@ -9434,7 +9659,7 @@
           <p:cNvPr id="2" name="Title 1">
             <a:extLst>
               <a:ext uri="{FF2B5EF4-FFF2-40B4-BE49-F238E27FC236}">
-                <a16:creationId xmlns:a16="http://schemas.microsoft.com/office/drawing/2014/main" id="{6D0FAD8B-490F-0840-A5E3-C4BCE69A81F8}"/>
+                <a16:creationId xmlns:a16="http://schemas.microsoft.com/office/drawing/2014/main" id="{2D8E5C6F-850D-144B-8AF5-78B2DFE6D1EE}"/>
               </a:ext>
             </a:extLst>
           </p:cNvPr>
@@ -9445,19 +9670,15 @@
             <p:ph type="title"/>
           </p:nvPr>
         </p:nvSpPr>
-        <p:spPr>
-          <a:xfrm>
-            <a:off x="2250185" y="450342"/>
-            <a:ext cx="7729728" cy="1188720"/>
-          </a:xfrm>
-        </p:spPr>
+        <p:spPr/>
         <p:txBody>
           <a:bodyPr/>
           <a:lstStyle/>
           <a:p>
+            <a:pPr algn="ctr"/>
             <a:r>
               <a:rPr lang="en-US" dirty="0"/>
-              <a:t>Pseudo-random numbers</a:t>
+              <a:t>The gambler’s fallacy</a:t>
             </a:r>
           </a:p>
         </p:txBody>
@@ -9467,7 +9688,7 @@
           <p:cNvPr id="3" name="Content Placeholder 2">
             <a:extLst>
               <a:ext uri="{FF2B5EF4-FFF2-40B4-BE49-F238E27FC236}">
-                <a16:creationId xmlns:a16="http://schemas.microsoft.com/office/drawing/2014/main" id="{02A3765C-026D-4A44-9BF9-D40A91259E21}"/>
+                <a16:creationId xmlns:a16="http://schemas.microsoft.com/office/drawing/2014/main" id="{5BBEDC47-2DA8-2E43-A660-47EFA109F4DD}"/>
               </a:ext>
             </a:extLst>
           </p:cNvPr>
@@ -9480,61 +9701,215 @@
         </p:nvSpPr>
         <p:spPr>
           <a:xfrm>
-            <a:off x="1066800" y="1639062"/>
-            <a:ext cx="10626436" cy="4890326"/>
+            <a:off x="1242592" y="1524001"/>
+            <a:ext cx="10178322" cy="4987636"/>
           </a:xfrm>
         </p:spPr>
         <p:txBody>
           <a:bodyPr>
-            <a:noAutofit/>
+            <a:normAutofit fontScale="70000" lnSpcReduction="20000"/>
           </a:bodyPr>
           <a:lstStyle/>
           <a:p>
+            <a:pPr lvl="1" indent="-457200">
+              <a:buFont typeface="+mj-lt"/>
+              <a:buAutoNum type="arabicPeriod" startAt="2"/>
+            </a:pPr>
             <a:r>
               <a:rPr lang="en-US" sz="2400" dirty="0"/>
-              <a:t>What about reproducing our results?</a:t>
-            </a:r>
-          </a:p>
-          <a:p>
-            <a:endParaRPr lang="en-US" sz="2400" dirty="0"/>
-          </a:p>
-          <a:p>
+              <a:t>Asks the user how many times she’d like to flip</a:t>
+            </a:r>
+          </a:p>
+          <a:p>
+            <a:pPr marL="0" indent="0">
+              <a:buNone/>
+            </a:pPr>
+            <a:endParaRPr lang="en-US" dirty="0"/>
+          </a:p>
+          <a:p>
+            <a:pPr marL="0" indent="0">
+              <a:buNone/>
+            </a:pPr>
+            <a:r>
+              <a:rPr lang="en-US" dirty="0">
+                <a:latin typeface="Courier New" panose="02070309020205020404" pitchFamily="49" charset="0"/>
+                <a:cs typeface="Courier New" panose="02070309020205020404" pitchFamily="49" charset="0"/>
+              </a:rPr>
+              <a:t>flips = </a:t>
+            </a:r>
+            <a:r>
+              <a:rPr lang="en-US" dirty="0" err="1">
+                <a:latin typeface="Courier New" panose="02070309020205020404" pitchFamily="49" charset="0"/>
+                <a:cs typeface="Courier New" panose="02070309020205020404" pitchFamily="49" charset="0"/>
+              </a:rPr>
+              <a:t>int</a:t>
+            </a:r>
+            <a:r>
+              <a:rPr lang="en-US" dirty="0">
+                <a:latin typeface="Courier New" panose="02070309020205020404" pitchFamily="49" charset="0"/>
+                <a:cs typeface="Courier New" panose="02070309020205020404" pitchFamily="49" charset="0"/>
+              </a:rPr>
+              <a:t>(input(“How many flips would you like?”))</a:t>
+            </a:r>
+          </a:p>
+          <a:p>
+            <a:pPr marL="0" indent="0">
+              <a:buNone/>
+            </a:pPr>
+            <a:endParaRPr lang="en-US" dirty="0"/>
+          </a:p>
+          <a:p>
+            <a:pPr marL="914400" lvl="1" indent="-457200">
+              <a:buFont typeface="+mj-lt"/>
+              <a:buAutoNum type="arabicPeriod" startAt="3"/>
+            </a:pPr>
             <a:r>
               <a:rPr lang="en-US" sz="2400" dirty="0"/>
-              <a:t>If our simulation depends on random numbers, and Python produces different random numbers each time we run the program, then won’t we get different results to our simulation each time we run it?</a:t>
-            </a:r>
-          </a:p>
-          <a:p>
-            <a:pPr marL="0" indent="0">
-              <a:buNone/>
+              <a:t>Prints the current flip and keeps track of the number of heads and the number of tails</a:t>
+            </a:r>
+          </a:p>
+          <a:p>
+            <a:pPr marL="914400" lvl="1" indent="-457200">
+              <a:buFont typeface="+mj-lt"/>
+              <a:buAutoNum type="arabicPeriod" startAt="3"/>
             </a:pPr>
             <a:endParaRPr lang="en-US" sz="2400" dirty="0"/>
           </a:p>
           <a:p>
-            <a:r>
-              <a:rPr lang="en-US" sz="2400" dirty="0"/>
-              <a:t>Yes. However, we can tell Python to reuse the same sequence of random numbers so our exact simulation is repeatable</a:t>
-            </a:r>
-          </a:p>
-          <a:p>
-            <a:endParaRPr lang="en-US" sz="2400" dirty="0"/>
-          </a:p>
-          <a:p>
-            <a:r>
-              <a:rPr lang="en-US" sz="2400" dirty="0"/>
-              <a:t>This is done with a </a:t>
-            </a:r>
-            <a:r>
-              <a:rPr lang="en-US" sz="2400" b="1" i="1" dirty="0"/>
-              <a:t>seed value</a:t>
-            </a:r>
+            <a:pPr marL="0" indent="0">
+              <a:buNone/>
+            </a:pPr>
+            <a:r>
+              <a:rPr lang="en-US" sz="2600" dirty="0">
+                <a:latin typeface="Courier New" panose="02070309020205020404" pitchFamily="49" charset="0"/>
+                <a:cs typeface="Courier New" panose="02070309020205020404" pitchFamily="49" charset="0"/>
+              </a:rPr>
+              <a:t>heads = 0</a:t>
+            </a:r>
+          </a:p>
+          <a:p>
+            <a:pPr marL="0" indent="0">
+              <a:buNone/>
+            </a:pPr>
+            <a:r>
+              <a:rPr lang="en-US" sz="2600" dirty="0">
+                <a:latin typeface="Courier New" panose="02070309020205020404" pitchFamily="49" charset="0"/>
+                <a:cs typeface="Courier New" panose="02070309020205020404" pitchFamily="49" charset="0"/>
+              </a:rPr>
+              <a:t>tails = 0</a:t>
+            </a:r>
+          </a:p>
+          <a:p>
+            <a:pPr marL="0" indent="0">
+              <a:buNone/>
+            </a:pPr>
+            <a:r>
+              <a:rPr lang="en-US" sz="2600" dirty="0">
+                <a:latin typeface="Courier New" panose="02070309020205020404" pitchFamily="49" charset="0"/>
+                <a:cs typeface="Courier New" panose="02070309020205020404" pitchFamily="49" charset="0"/>
+              </a:rPr>
+              <a:t>flip = </a:t>
+            </a:r>
+            <a:r>
+              <a:rPr lang="en-US" sz="2600" dirty="0" err="1">
+                <a:latin typeface="Courier New" panose="02070309020205020404" pitchFamily="49" charset="0"/>
+                <a:cs typeface="Courier New" panose="02070309020205020404" pitchFamily="49" charset="0"/>
+              </a:rPr>
+              <a:t>random.randrange</a:t>
+            </a:r>
+            <a:r>
+              <a:rPr lang="en-US" sz="2600" dirty="0">
+                <a:latin typeface="Courier New" panose="02070309020205020404" pitchFamily="49" charset="0"/>
+                <a:cs typeface="Courier New" panose="02070309020205020404" pitchFamily="49" charset="0"/>
+              </a:rPr>
+              <a:t>(0,2)</a:t>
+            </a:r>
+          </a:p>
+          <a:p>
+            <a:pPr marL="0" indent="0">
+              <a:buNone/>
+            </a:pPr>
+            <a:r>
+              <a:rPr lang="en-US" sz="2600" dirty="0">
+                <a:latin typeface="Courier New" panose="02070309020205020404" pitchFamily="49" charset="0"/>
+                <a:cs typeface="Courier New" panose="02070309020205020404" pitchFamily="49" charset="0"/>
+              </a:rPr>
+              <a:t>if (flip==1):</a:t>
+            </a:r>
+          </a:p>
+          <a:p>
+            <a:pPr marL="0" indent="0">
+              <a:buNone/>
+            </a:pPr>
+            <a:r>
+              <a:rPr lang="en-US" sz="2600" dirty="0">
+                <a:latin typeface="Courier New" panose="02070309020205020404" pitchFamily="49" charset="0"/>
+                <a:cs typeface="Courier New" panose="02070309020205020404" pitchFamily="49" charset="0"/>
+              </a:rPr>
+              <a:t>   heads = heads + 1 # a short-hand notation for this is heads += 1</a:t>
+            </a:r>
+          </a:p>
+          <a:p>
+            <a:pPr marL="0" indent="0">
+              <a:buNone/>
+            </a:pPr>
+            <a:r>
+              <a:rPr lang="en-US" sz="2600" dirty="0">
+                <a:latin typeface="Courier New" panose="02070309020205020404" pitchFamily="49" charset="0"/>
+                <a:cs typeface="Courier New" panose="02070309020205020404" pitchFamily="49" charset="0"/>
+              </a:rPr>
+              <a:t>   print("Heads")</a:t>
+            </a:r>
+          </a:p>
+          <a:p>
+            <a:pPr marL="0" indent="0">
+              <a:buNone/>
+            </a:pPr>
+            <a:r>
+              <a:rPr lang="en-US" sz="2600" dirty="0">
+                <a:latin typeface="Courier New" panose="02070309020205020404" pitchFamily="49" charset="0"/>
+                <a:cs typeface="Courier New" panose="02070309020205020404" pitchFamily="49" charset="0"/>
+              </a:rPr>
+              <a:t>else:</a:t>
+            </a:r>
+          </a:p>
+          <a:p>
+            <a:pPr marL="0" indent="0">
+              <a:buNone/>
+            </a:pPr>
+            <a:r>
+              <a:rPr lang="en-US" sz="2600" dirty="0">
+                <a:latin typeface="Courier New" panose="02070309020205020404" pitchFamily="49" charset="0"/>
+                <a:cs typeface="Courier New" panose="02070309020205020404" pitchFamily="49" charset="0"/>
+              </a:rPr>
+              <a:t>   tails = tails + 1</a:t>
+            </a:r>
+          </a:p>
+          <a:p>
+            <a:pPr marL="0" indent="0">
+              <a:buNone/>
+            </a:pPr>
+            <a:r>
+              <a:rPr lang="en-US" sz="2600" dirty="0">
+                <a:latin typeface="Courier New" panose="02070309020205020404" pitchFamily="49" charset="0"/>
+                <a:cs typeface="Courier New" panose="02070309020205020404" pitchFamily="49" charset="0"/>
+              </a:rPr>
+              <a:t>   print("Tails")</a:t>
+            </a:r>
+          </a:p>
+          <a:p>
+            <a:pPr marL="914400" lvl="1" indent="-457200">
+              <a:buFont typeface="+mj-lt"/>
+              <a:buAutoNum type="arabicPeriod" startAt="3"/>
+            </a:pPr>
+            <a:endParaRPr lang="en-US" dirty="0"/>
           </a:p>
         </p:txBody>
       </p:sp>
     </p:spTree>
     <p:extLst>
       <p:ext uri="{BB962C8B-B14F-4D97-AF65-F5344CB8AC3E}">
-        <p14:creationId xmlns:p14="http://schemas.microsoft.com/office/powerpoint/2010/main" val="3265832299"/>
+        <p14:creationId xmlns:p14="http://schemas.microsoft.com/office/powerpoint/2010/main" val="3550928993"/>
       </p:ext>
     </p:extLst>
   </p:cSld>
